--- a/project-dataviz.pptx
+++ b/project-dataviz.pptx
@@ -7,9 +7,10 @@
   <p:sldIdLst>
     <p:sldId id="256" r:id="rId2"/>
     <p:sldId id="258" r:id="rId3"/>
-    <p:sldId id="259" r:id="rId4"/>
-    <p:sldId id="257" r:id="rId5"/>
+    <p:sldId id="257" r:id="rId4"/>
+    <p:sldId id="259" r:id="rId5"/>
     <p:sldId id="260" r:id="rId6"/>
+    <p:sldId id="261" r:id="rId7"/>
   </p:sldIdLst>
   <p:sldSz cx="12192000" cy="6858000"/>
   <p:notesSz cx="6858000" cy="9144000"/>
@@ -114,6 +115,18 @@
     </p:ext>
   </p:extLst>
 </p:presentation>
+</file>
+
+<file path=ppt/commentAuthors.xml><?xml version="1.0" encoding="utf-8"?>
+<p:cmAuthorLst xmlns:a="http://schemas.openxmlformats.org/drawingml/2006/main" xmlns:r="http://schemas.openxmlformats.org/officeDocument/2006/relationships" xmlns:p="http://schemas.openxmlformats.org/presentationml/2006/main">
+  <p:cmAuthor id="1" name="Kamalah Chang" initials="KC" lastIdx="1" clrIdx="0">
+    <p:extLst>
+      <p:ext uri="{19B8F6BF-5375-455C-9EA6-DF929625EA0E}">
+        <p15:presenceInfo xmlns:p15="http://schemas.microsoft.com/office/powerpoint/2012/main" userId="759677c11cf327be" providerId="Windows Live"/>
+      </p:ext>
+    </p:extLst>
+  </p:cmAuthor>
+</p:cmAuthorLst>
 </file>
 
 <file path=ppt/slideLayouts/slideLayout1.xml><?xml version="1.0" encoding="utf-8"?>
@@ -9419,16 +9432,20 @@
             <p:ph type="title"/>
           </p:nvPr>
         </p:nvSpPr>
-        <p:spPr/>
+        <p:spPr>
+          <a:xfrm>
+            <a:off x="1024129" y="112976"/>
+            <a:ext cx="9720072" cy="1499616"/>
+          </a:xfrm>
+        </p:spPr>
         <p:txBody>
           <a:bodyPr/>
           <a:lstStyle/>
           <a:p>
             <a:r>
-              <a:rPr lang="en-US"/>
+              <a:rPr lang="en-US" dirty="0"/>
               <a:t>Click to edit Master title style</a:t>
             </a:r>
-            <a:endParaRPr lang="en-US" dirty="0"/>
           </a:p>
         </p:txBody>
       </p:sp>
@@ -19984,7 +20001,7 @@
         </p:nvSpPr>
         <p:spPr>
           <a:xfrm>
-            <a:off x="1024128" y="585216"/>
+            <a:off x="1024129" y="68101"/>
             <a:ext cx="9720072" cy="1499616"/>
           </a:xfrm>
           <a:prstGeom prst="rect">
@@ -20200,7 +20217,7 @@
         </p:nvCxnSpPr>
         <p:spPr>
           <a:xfrm flipV="1">
-            <a:off x="762000" y="826324"/>
+            <a:off x="604925" y="360709"/>
             <a:ext cx="0" cy="914400"/>
           </a:xfrm>
           <a:prstGeom prst="line">
@@ -20746,13 +20763,19 @@
                 <a:effectLst/>
                 <a:latin typeface="Arial" panose="020B0604020202020204" pitchFamily="34" charset="0"/>
               </a:rPr>
-              <a:t>"The function of the College of Electors in choosing the president can be likened to that in the Roman Catholic Church of the </a:t>
+              <a:t>"The function of the College of Electors in choosing the president can be likened to that in the Roman Catholic Church </a:t>
+            </a:r>
+            <a:r>
+              <a:rPr lang="en-US" dirty="0">
+                <a:solidFill>
+                  <a:srgbClr val="202122"/>
+                </a:solidFill>
+                <a:latin typeface="Arial" panose="020B0604020202020204" pitchFamily="34" charset="0"/>
+              </a:rPr>
+              <a:t>… </a:t>
             </a:r>
             <a:r>
               <a:rPr lang="en-US" b="0" i="0" u="none" strike="noStrike" dirty="0">
-                <a:solidFill>
-                  <a:srgbClr val="0B0080"/>
-                </a:solidFill>
                 <a:effectLst/>
                 <a:latin typeface="Arial" panose="020B0604020202020204" pitchFamily="34" charset="0"/>
               </a:rPr>
@@ -20760,9 +20783,6 @@
             </a:r>
             <a:r>
               <a:rPr lang="en-US" b="0" i="0" dirty="0">
-                <a:solidFill>
-                  <a:srgbClr val="202122"/>
-                </a:solidFill>
                 <a:effectLst/>
                 <a:latin typeface="Arial" panose="020B0604020202020204" pitchFamily="34" charset="0"/>
               </a:rPr>
@@ -20770,7 +20790,7 @@
             </a:r>
           </a:p>
           <a:p>
-            <a:pPr marL="0" indent="0">
+            <a:pPr marL="0" indent="0" algn="ctr">
               <a:buNone/>
             </a:pPr>
             <a:r>
@@ -20801,6 +20821,536 @@
 </file>
 
 <file path=ppt/slides/slide3.xml><?xml version="1.0" encoding="utf-8"?>
+<p:sld xmlns:a="http://schemas.openxmlformats.org/drawingml/2006/main" xmlns:r="http://schemas.openxmlformats.org/officeDocument/2006/relationships" xmlns:p="http://schemas.openxmlformats.org/presentationml/2006/main">
+  <p:cSld>
+    <p:spTree>
+      <p:nvGrpSpPr>
+        <p:cNvPr id="1" name=""/>
+        <p:cNvGrpSpPr/>
+        <p:nvPr/>
+      </p:nvGrpSpPr>
+      <p:grpSpPr>
+        <a:xfrm>
+          <a:off x="0" y="0"/>
+          <a:ext cx="0" cy="0"/>
+          <a:chOff x="0" y="0"/>
+          <a:chExt cx="0" cy="0"/>
+        </a:xfrm>
+      </p:grpSpPr>
+      <p:pic>
+        <p:nvPicPr>
+          <p:cNvPr id="9" name="Content Placeholder 8">
+            <a:extLst>
+              <a:ext uri="{FF2B5EF4-FFF2-40B4-BE49-F238E27FC236}">
+                <a16:creationId xmlns:a16="http://schemas.microsoft.com/office/drawing/2014/main" id="{FA558190-E923-40AD-B51C-321D19F64C3B}"/>
+              </a:ext>
+            </a:extLst>
+          </p:cNvPr>
+          <p:cNvPicPr>
+            <a:picLocks noGrp="1" noChangeAspect="1"/>
+          </p:cNvPicPr>
+          <p:nvPr>
+            <p:ph idx="1"/>
+          </p:nvPr>
+        </p:nvPicPr>
+        <p:blipFill rotWithShape="1">
+          <a:blip r:embed="rId2">
+            <a:extLst>
+              <a:ext uri="{28A0092B-C50C-407E-A947-70E740481C1C}">
+                <a14:useLocalDpi xmlns:a14="http://schemas.microsoft.com/office/drawing/2010/main" val="0"/>
+              </a:ext>
+            </a:extLst>
+          </a:blip>
+          <a:srcRect t="8579" r="8614" b="6152"/>
+          <a:stretch/>
+        </p:blipFill>
+        <p:spPr>
+          <a:xfrm>
+            <a:off x="347257" y="1251031"/>
+            <a:ext cx="8308768" cy="5398049"/>
+          </a:xfrm>
+        </p:spPr>
+      </p:pic>
+      <p:sp>
+        <p:nvSpPr>
+          <p:cNvPr id="2" name="Title 1">
+            <a:extLst>
+              <a:ext uri="{FF2B5EF4-FFF2-40B4-BE49-F238E27FC236}">
+                <a16:creationId xmlns:a16="http://schemas.microsoft.com/office/drawing/2014/main" id="{FE56424F-548B-4D30-A99A-680338B5696C}"/>
+              </a:ext>
+            </a:extLst>
+          </p:cNvPr>
+          <p:cNvSpPr>
+            <a:spLocks noGrp="1"/>
+          </p:cNvSpPr>
+          <p:nvPr>
+            <p:ph type="title"/>
+          </p:nvPr>
+        </p:nvSpPr>
+        <p:spPr>
+          <a:xfrm>
+            <a:off x="684004" y="113991"/>
+            <a:ext cx="9720072" cy="1499616"/>
+          </a:xfrm>
+        </p:spPr>
+        <p:txBody>
+          <a:bodyPr/>
+          <a:lstStyle/>
+          <a:p>
+            <a:r>
+              <a:rPr lang="en-US" dirty="0"/>
+              <a:t>Electoral vote value (Traditional)</a:t>
+            </a:r>
+          </a:p>
+        </p:txBody>
+      </p:sp>
+      <p:sp>
+        <p:nvSpPr>
+          <p:cNvPr id="15" name="TextBox 14">
+            <a:extLst>
+              <a:ext uri="{FF2B5EF4-FFF2-40B4-BE49-F238E27FC236}">
+                <a16:creationId xmlns:a16="http://schemas.microsoft.com/office/drawing/2014/main" id="{DCB5FD58-FCAD-44CD-AEAC-A5563872A48E}"/>
+              </a:ext>
+            </a:extLst>
+          </p:cNvPr>
+          <p:cNvSpPr txBox="1"/>
+          <p:nvPr/>
+        </p:nvSpPr>
+        <p:spPr>
+          <a:xfrm>
+            <a:off x="8715884" y="2513086"/>
+            <a:ext cx="649609" cy="635841"/>
+          </a:xfrm>
+          <a:prstGeom prst="rect">
+            <a:avLst/>
+          </a:prstGeom>
+          <a:noFill/>
+        </p:spPr>
+        <p:txBody>
+          <a:bodyPr wrap="square" rtlCol="0">
+            <a:spAutoFit/>
+          </a:bodyPr>
+          <a:lstStyle/>
+          <a:p>
+            <a:endParaRPr lang="en-US" dirty="0"/>
+          </a:p>
+        </p:txBody>
+      </p:sp>
+      <p:grpSp>
+        <p:nvGrpSpPr>
+          <p:cNvPr id="25" name="Group 24">
+            <a:extLst>
+              <a:ext uri="{FF2B5EF4-FFF2-40B4-BE49-F238E27FC236}">
+                <a16:creationId xmlns:a16="http://schemas.microsoft.com/office/drawing/2014/main" id="{32A4E1F7-5B20-4404-9982-E00091173886}"/>
+              </a:ext>
+            </a:extLst>
+          </p:cNvPr>
+          <p:cNvGrpSpPr/>
+          <p:nvPr/>
+        </p:nvGrpSpPr>
+        <p:grpSpPr>
+          <a:xfrm>
+            <a:off x="8622649" y="1659242"/>
+            <a:ext cx="911877" cy="3064149"/>
+            <a:chOff x="9971221" y="1659242"/>
+            <a:chExt cx="911877" cy="3064149"/>
+          </a:xfrm>
+        </p:grpSpPr>
+        <p:cxnSp>
+          <p:nvCxnSpPr>
+            <p:cNvPr id="11" name="Straight Arrow Connector 10">
+              <a:extLst>
+                <a:ext uri="{FF2B5EF4-FFF2-40B4-BE49-F238E27FC236}">
+                  <a16:creationId xmlns:a16="http://schemas.microsoft.com/office/drawing/2014/main" id="{C1FF0EEA-9591-4CC2-9183-1FD27B4DA787}"/>
+                </a:ext>
+              </a:extLst>
+            </p:cNvPr>
+            <p:cNvCxnSpPr>
+              <a:cxnSpLocks/>
+            </p:cNvCxnSpPr>
+            <p:nvPr/>
+          </p:nvCxnSpPr>
+          <p:spPr>
+            <a:xfrm>
+              <a:off x="10017838" y="1659242"/>
+              <a:ext cx="0" cy="3064149"/>
+            </a:xfrm>
+            <a:prstGeom prst="straightConnector1">
+              <a:avLst/>
+            </a:prstGeom>
+            <a:ln>
+              <a:headEnd type="triangle"/>
+              <a:tailEnd type="triangle"/>
+            </a:ln>
+          </p:spPr>
+          <p:style>
+            <a:lnRef idx="1">
+              <a:schemeClr val="dk1"/>
+            </a:lnRef>
+            <a:fillRef idx="0">
+              <a:schemeClr val="dk1"/>
+            </a:fillRef>
+            <a:effectRef idx="0">
+              <a:schemeClr val="dk1"/>
+            </a:effectRef>
+            <a:fontRef idx="minor">
+              <a:schemeClr val="tx1"/>
+            </a:fontRef>
+          </p:style>
+        </p:cxnSp>
+        <p:sp>
+          <p:nvSpPr>
+            <p:cNvPr id="18" name="TextBox 17">
+              <a:extLst>
+                <a:ext uri="{FF2B5EF4-FFF2-40B4-BE49-F238E27FC236}">
+                  <a16:creationId xmlns:a16="http://schemas.microsoft.com/office/drawing/2014/main" id="{307C8936-8F91-48A5-9491-03BB285531CF}"/>
+                </a:ext>
+              </a:extLst>
+            </p:cNvPr>
+            <p:cNvSpPr txBox="1"/>
+            <p:nvPr/>
+          </p:nvSpPr>
+          <p:spPr>
+            <a:xfrm>
+              <a:off x="9971221" y="2891593"/>
+              <a:ext cx="911877" cy="369332"/>
+            </a:xfrm>
+            <a:prstGeom prst="rect">
+              <a:avLst/>
+            </a:prstGeom>
+            <a:noFill/>
+          </p:spPr>
+          <p:txBody>
+            <a:bodyPr wrap="square">
+              <a:spAutoFit/>
+            </a:bodyPr>
+            <a:lstStyle/>
+            <a:p>
+              <a:r>
+                <a:rPr lang="en-US" dirty="0"/>
+                <a:t>527k</a:t>
+              </a:r>
+            </a:p>
+          </p:txBody>
+        </p:sp>
+      </p:grpSp>
+      <p:grpSp>
+        <p:nvGrpSpPr>
+          <p:cNvPr id="24" name="Group 23">
+            <a:extLst>
+              <a:ext uri="{FF2B5EF4-FFF2-40B4-BE49-F238E27FC236}">
+                <a16:creationId xmlns:a16="http://schemas.microsoft.com/office/drawing/2014/main" id="{429CEC37-E2F0-4E45-BBEE-35DD9F8F1B7A}"/>
+              </a:ext>
+            </a:extLst>
+          </p:cNvPr>
+          <p:cNvGrpSpPr/>
+          <p:nvPr/>
+        </p:nvGrpSpPr>
+        <p:grpSpPr>
+          <a:xfrm>
+            <a:off x="851134" y="5571194"/>
+            <a:ext cx="597994" cy="369332"/>
+            <a:chOff x="2199706" y="5571194"/>
+            <a:chExt cx="597994" cy="369332"/>
+          </a:xfrm>
+        </p:grpSpPr>
+        <p:sp>
+          <p:nvSpPr>
+            <p:cNvPr id="17" name="TextBox 16">
+              <a:extLst>
+                <a:ext uri="{FF2B5EF4-FFF2-40B4-BE49-F238E27FC236}">
+                  <a16:creationId xmlns:a16="http://schemas.microsoft.com/office/drawing/2014/main" id="{8046B293-4B16-4C1E-BBCC-D428D75E0212}"/>
+                </a:ext>
+              </a:extLst>
+            </p:cNvPr>
+            <p:cNvSpPr txBox="1"/>
+            <p:nvPr/>
+          </p:nvSpPr>
+          <p:spPr>
+            <a:xfrm>
+              <a:off x="2199706" y="5571194"/>
+              <a:ext cx="597994" cy="369332"/>
+            </a:xfrm>
+            <a:prstGeom prst="rect">
+              <a:avLst/>
+            </a:prstGeom>
+            <a:noFill/>
+          </p:spPr>
+          <p:txBody>
+            <a:bodyPr wrap="square">
+              <a:spAutoFit/>
+            </a:bodyPr>
+            <a:lstStyle/>
+            <a:p>
+              <a:r>
+                <a:rPr lang="en-US" dirty="0"/>
+                <a:t>27k</a:t>
+              </a:r>
+            </a:p>
+          </p:txBody>
+        </p:sp>
+        <p:cxnSp>
+          <p:nvCxnSpPr>
+            <p:cNvPr id="21" name="Straight Arrow Connector 20">
+              <a:extLst>
+                <a:ext uri="{FF2B5EF4-FFF2-40B4-BE49-F238E27FC236}">
+                  <a16:creationId xmlns:a16="http://schemas.microsoft.com/office/drawing/2014/main" id="{7F204158-C8BA-440E-B573-E59A64921B76}"/>
+                </a:ext>
+              </a:extLst>
+            </p:cNvPr>
+            <p:cNvCxnSpPr>
+              <a:cxnSpLocks/>
+            </p:cNvCxnSpPr>
+            <p:nvPr/>
+          </p:nvCxnSpPr>
+          <p:spPr>
+            <a:xfrm>
+              <a:off x="2691536" y="5619624"/>
+              <a:ext cx="0" cy="272472"/>
+            </a:xfrm>
+            <a:prstGeom prst="straightConnector1">
+              <a:avLst/>
+            </a:prstGeom>
+            <a:ln>
+              <a:headEnd type="triangle"/>
+              <a:tailEnd type="triangle"/>
+            </a:ln>
+          </p:spPr>
+          <p:style>
+            <a:lnRef idx="1">
+              <a:schemeClr val="dk1"/>
+            </a:lnRef>
+            <a:fillRef idx="0">
+              <a:schemeClr val="dk1"/>
+            </a:fillRef>
+            <a:effectRef idx="0">
+              <a:schemeClr val="dk1"/>
+            </a:effectRef>
+            <a:fontRef idx="minor">
+              <a:schemeClr val="tx1"/>
+            </a:fontRef>
+          </p:style>
+        </p:cxnSp>
+      </p:grpSp>
+      <p:sp>
+        <p:nvSpPr>
+          <p:cNvPr id="26" name="TextBox 25">
+            <a:extLst>
+              <a:ext uri="{FF2B5EF4-FFF2-40B4-BE49-F238E27FC236}">
+                <a16:creationId xmlns:a16="http://schemas.microsoft.com/office/drawing/2014/main" id="{DD04B47C-7C1E-4211-9352-076DDD070D2F}"/>
+              </a:ext>
+            </a:extLst>
+          </p:cNvPr>
+          <p:cNvSpPr txBox="1"/>
+          <p:nvPr/>
+        </p:nvSpPr>
+        <p:spPr>
+          <a:xfrm flipH="1">
+            <a:off x="9078587" y="1659242"/>
+            <a:ext cx="2960273" cy="2616101"/>
+          </a:xfrm>
+          <a:prstGeom prst="rect">
+            <a:avLst/>
+          </a:prstGeom>
+          <a:noFill/>
+        </p:spPr>
+        <p:txBody>
+          <a:bodyPr wrap="square" rtlCol="0">
+            <a:spAutoFit/>
+          </a:bodyPr>
+          <a:lstStyle/>
+          <a:p>
+            <a:r>
+              <a:rPr lang="en-US" sz="2000" b="1" dirty="0"/>
+              <a:t>Current Electoral College</a:t>
+            </a:r>
+          </a:p>
+          <a:p>
+            <a:pPr marL="285750" indent="-285750">
+              <a:buFont typeface="Arial" panose="020B0604020202020204" pitchFamily="34" charset="0"/>
+              <a:buChar char="•"/>
+            </a:pPr>
+            <a:r>
+              <a:rPr lang="en-US" dirty="0"/>
+              <a:t>Electors  decided based on number of senators (2) </a:t>
+            </a:r>
+          </a:p>
+          <a:p>
+            <a:pPr marL="285750" indent="-285750">
+              <a:buFont typeface="Arial" panose="020B0604020202020204" pitchFamily="34" charset="0"/>
+              <a:buChar char="•"/>
+            </a:pPr>
+            <a:r>
+              <a:rPr lang="en-US" dirty="0"/>
+              <a:t>Number of representatives: based on relative population</a:t>
+            </a:r>
+            <a:r>
+              <a:rPr lang="en-US" b="0" i="0" dirty="0">
+                <a:solidFill>
+                  <a:srgbClr val="000000"/>
+                </a:solidFill>
+                <a:effectLst/>
+                <a:latin typeface="Lora"/>
+              </a:rPr>
+              <a:t> (minimum of 1) currently </a:t>
+            </a:r>
+            <a:r>
+              <a:rPr lang="en-US" b="1" i="0" dirty="0">
+                <a:solidFill>
+                  <a:srgbClr val="000000"/>
+                </a:solidFill>
+                <a:effectLst/>
+                <a:latin typeface="Lora"/>
+              </a:rPr>
+              <a:t>capped at 535</a:t>
+            </a:r>
+          </a:p>
+          <a:p>
+            <a:pPr marL="285750" indent="-285750">
+              <a:buFont typeface="Arial" panose="020B0604020202020204" pitchFamily="34" charset="0"/>
+              <a:buChar char="•"/>
+            </a:pPr>
+            <a:r>
+              <a:rPr lang="en-US" dirty="0"/>
+              <a:t>Each state has a minimum of 3 electors</a:t>
+            </a:r>
+          </a:p>
+        </p:txBody>
+      </p:sp>
+    </p:spTree>
+    <p:extLst>
+      <p:ext uri="{BB962C8B-B14F-4D97-AF65-F5344CB8AC3E}">
+        <p14:creationId xmlns:p14="http://schemas.microsoft.com/office/powerpoint/2010/main" val="2235912950"/>
+      </p:ext>
+    </p:extLst>
+  </p:cSld>
+  <p:clrMapOvr>
+    <a:masterClrMapping/>
+  </p:clrMapOvr>
+  <p:timing>
+    <p:tnLst>
+      <p:par>
+        <p:cTn id="1" dur="indefinite" restart="never" nodeType="tmRoot">
+          <p:childTnLst>
+            <p:seq concurrent="1" nextAc="seek">
+              <p:cTn id="2" dur="indefinite" nodeType="mainSeq">
+                <p:childTnLst>
+                  <p:par>
+                    <p:cTn id="3" fill="hold">
+                      <p:stCondLst>
+                        <p:cond delay="indefinite"/>
+                      </p:stCondLst>
+                      <p:childTnLst>
+                        <p:par>
+                          <p:cTn id="4" fill="hold">
+                            <p:stCondLst>
+                              <p:cond delay="0"/>
+                            </p:stCondLst>
+                            <p:childTnLst>
+                              <p:par>
+                                <p:cTn id="5" presetID="1" presetClass="entr" presetSubtype="0" fill="hold" nodeType="clickEffect">
+                                  <p:stCondLst>
+                                    <p:cond delay="0"/>
+                                  </p:stCondLst>
+                                  <p:childTnLst>
+                                    <p:set>
+                                      <p:cBhvr>
+                                        <p:cTn id="6" dur="1" fill="hold">
+                                          <p:stCondLst>
+                                            <p:cond delay="0"/>
+                                          </p:stCondLst>
+                                        </p:cTn>
+                                        <p:tgtEl>
+                                          <p:spTgt spid="24"/>
+                                        </p:tgtEl>
+                                        <p:attrNameLst>
+                                          <p:attrName>style.visibility</p:attrName>
+                                        </p:attrNameLst>
+                                      </p:cBhvr>
+                                      <p:to>
+                                        <p:strVal val="visible"/>
+                                      </p:to>
+                                    </p:set>
+                                  </p:childTnLst>
+                                </p:cTn>
+                              </p:par>
+                            </p:childTnLst>
+                          </p:cTn>
+                        </p:par>
+                      </p:childTnLst>
+                    </p:cTn>
+                  </p:par>
+                  <p:par>
+                    <p:cTn id="7" fill="hold">
+                      <p:stCondLst>
+                        <p:cond delay="indefinite"/>
+                      </p:stCondLst>
+                      <p:childTnLst>
+                        <p:par>
+                          <p:cTn id="8" fill="hold">
+                            <p:stCondLst>
+                              <p:cond delay="0"/>
+                            </p:stCondLst>
+                            <p:childTnLst>
+                              <p:par>
+                                <p:cTn id="9" presetID="1" presetClass="entr" presetSubtype="0" fill="hold" nodeType="clickEffect">
+                                  <p:stCondLst>
+                                    <p:cond delay="0"/>
+                                  </p:stCondLst>
+                                  <p:childTnLst>
+                                    <p:set>
+                                      <p:cBhvr>
+                                        <p:cTn id="10" dur="1" fill="hold">
+                                          <p:stCondLst>
+                                            <p:cond delay="0"/>
+                                          </p:stCondLst>
+                                        </p:cTn>
+                                        <p:tgtEl>
+                                          <p:spTgt spid="25"/>
+                                        </p:tgtEl>
+                                        <p:attrNameLst>
+                                          <p:attrName>style.visibility</p:attrName>
+                                        </p:attrNameLst>
+                                      </p:cBhvr>
+                                      <p:to>
+                                        <p:strVal val="visible"/>
+                                      </p:to>
+                                    </p:set>
+                                  </p:childTnLst>
+                                </p:cTn>
+                              </p:par>
+                            </p:childTnLst>
+                          </p:cTn>
+                        </p:par>
+                      </p:childTnLst>
+                    </p:cTn>
+                  </p:par>
+                </p:childTnLst>
+              </p:cTn>
+              <p:prevCondLst>
+                <p:cond evt="onPrev" delay="0">
+                  <p:tgtEl>
+                    <p:sldTgt/>
+                  </p:tgtEl>
+                </p:cond>
+              </p:prevCondLst>
+              <p:nextCondLst>
+                <p:cond evt="onNext" delay="0">
+                  <p:tgtEl>
+                    <p:sldTgt/>
+                  </p:tgtEl>
+                </p:cond>
+              </p:nextCondLst>
+            </p:seq>
+          </p:childTnLst>
+        </p:cTn>
+      </p:par>
+    </p:tnLst>
+  </p:timing>
+</p:sld>
+</file>
+
+<file path=ppt/slides/slide4.xml><?xml version="1.0" encoding="utf-8"?>
 <p:sld xmlns:a="http://schemas.openxmlformats.org/drawingml/2006/main" xmlns:r="http://schemas.openxmlformats.org/officeDocument/2006/relationships" xmlns:p="http://schemas.openxmlformats.org/presentationml/2006/main">
   <p:cSld>
     <p:spTree>
@@ -22119,89 +22669,6 @@
 </p:sld>
 </file>
 
-<file path=ppt/slides/slide4.xml><?xml version="1.0" encoding="utf-8"?>
-<p:sld xmlns:a="http://schemas.openxmlformats.org/drawingml/2006/main" xmlns:r="http://schemas.openxmlformats.org/officeDocument/2006/relationships" xmlns:p="http://schemas.openxmlformats.org/presentationml/2006/main">
-  <p:cSld>
-    <p:spTree>
-      <p:nvGrpSpPr>
-        <p:cNvPr id="1" name=""/>
-        <p:cNvGrpSpPr/>
-        <p:nvPr/>
-      </p:nvGrpSpPr>
-      <p:grpSpPr>
-        <a:xfrm>
-          <a:off x="0" y="0"/>
-          <a:ext cx="0" cy="0"/>
-          <a:chOff x="0" y="0"/>
-          <a:chExt cx="0" cy="0"/>
-        </a:xfrm>
-      </p:grpSpPr>
-      <p:sp>
-        <p:nvSpPr>
-          <p:cNvPr id="2" name="Title 1">
-            <a:extLst>
-              <a:ext uri="{FF2B5EF4-FFF2-40B4-BE49-F238E27FC236}">
-                <a16:creationId xmlns:a16="http://schemas.microsoft.com/office/drawing/2014/main" id="{FE56424F-548B-4D30-A99A-680338B5696C}"/>
-              </a:ext>
-            </a:extLst>
-          </p:cNvPr>
-          <p:cNvSpPr>
-            <a:spLocks noGrp="1"/>
-          </p:cNvSpPr>
-          <p:nvPr>
-            <p:ph type="title"/>
-          </p:nvPr>
-        </p:nvSpPr>
-        <p:spPr/>
-        <p:txBody>
-          <a:bodyPr/>
-          <a:lstStyle/>
-          <a:p>
-            <a:r>
-              <a:rPr lang="en-US" dirty="0"/>
-              <a:t>Electoral vote value (Traditional)</a:t>
-            </a:r>
-          </a:p>
-        </p:txBody>
-      </p:sp>
-      <p:sp>
-        <p:nvSpPr>
-          <p:cNvPr id="6" name="Content Placeholder 5">
-            <a:extLst>
-              <a:ext uri="{FF2B5EF4-FFF2-40B4-BE49-F238E27FC236}">
-                <a16:creationId xmlns:a16="http://schemas.microsoft.com/office/drawing/2014/main" id="{B2388229-DB8F-49DC-B7F9-91E3F8CD7465}"/>
-              </a:ext>
-            </a:extLst>
-          </p:cNvPr>
-          <p:cNvSpPr>
-            <a:spLocks noGrp="1"/>
-          </p:cNvSpPr>
-          <p:nvPr>
-            <p:ph idx="1"/>
-          </p:nvPr>
-        </p:nvSpPr>
-        <p:spPr/>
-        <p:txBody>
-          <a:bodyPr/>
-          <a:lstStyle/>
-          <a:p>
-            <a:endParaRPr lang="en-US"/>
-          </a:p>
-        </p:txBody>
-      </p:sp>
-    </p:spTree>
-    <p:extLst>
-      <p:ext uri="{BB962C8B-B14F-4D97-AF65-F5344CB8AC3E}">
-        <p14:creationId xmlns:p14="http://schemas.microsoft.com/office/powerpoint/2010/main" val="2235912950"/>
-      </p:ext>
-    </p:extLst>
-  </p:cSld>
-  <p:clrMapOvr>
-    <a:masterClrMapping/>
-  </p:clrMapOvr>
-</p:sld>
-</file>
-
 <file path=ppt/slides/slide5.xml><?xml version="1.0" encoding="utf-8"?>
 <p:sld xmlns:a="http://schemas.openxmlformats.org/drawingml/2006/main" xmlns:r="http://schemas.openxmlformats.org/officeDocument/2006/relationships" xmlns:p="http://schemas.openxmlformats.org/presentationml/2006/main">
   <p:cSld>
@@ -22242,65 +22709,175 @@
           <a:p>
             <a:r>
               <a:rPr lang="en-US" dirty="0"/>
-              <a:t>Electoral vote value</a:t>
+              <a:t>Popular vote with electoral college</a:t>
             </a:r>
+          </a:p>
+        </p:txBody>
+      </p:sp>
+      <p:pic>
+        <p:nvPicPr>
+          <p:cNvPr id="8" name="Picture 7">
+            <a:extLst>
+              <a:ext uri="{FF2B5EF4-FFF2-40B4-BE49-F238E27FC236}">
+                <a16:creationId xmlns:a16="http://schemas.microsoft.com/office/drawing/2014/main" id="{F298F934-1525-45A8-9F2D-87D9A65D7B57}"/>
+              </a:ext>
+            </a:extLst>
+          </p:cNvPr>
+          <p:cNvPicPr>
+            <a:picLocks noChangeAspect="1"/>
+          </p:cNvPicPr>
+          <p:nvPr/>
+        </p:nvPicPr>
+        <p:blipFill rotWithShape="1">
+          <a:blip r:embed="rId2">
+            <a:extLst>
+              <a:ext uri="{28A0092B-C50C-407E-A947-70E740481C1C}">
+                <a14:useLocalDpi xmlns:a14="http://schemas.microsoft.com/office/drawing/2010/main" val="0"/>
+              </a:ext>
+            </a:extLst>
+          </a:blip>
+          <a:srcRect t="14962" r="1205" b="10172"/>
+          <a:stretch/>
+        </p:blipFill>
+        <p:spPr>
+          <a:xfrm>
+            <a:off x="109845" y="1330569"/>
+            <a:ext cx="9202327" cy="4855547"/>
+          </a:xfrm>
+          <a:prstGeom prst="rect">
+            <a:avLst/>
+          </a:prstGeom>
+        </p:spPr>
+      </p:pic>
+      <p:sp>
+        <p:nvSpPr>
+          <p:cNvPr id="9" name="Rectangle: Rounded Corners 8">
+            <a:extLst>
+              <a:ext uri="{FF2B5EF4-FFF2-40B4-BE49-F238E27FC236}">
+                <a16:creationId xmlns:a16="http://schemas.microsoft.com/office/drawing/2014/main" id="{0E643F5D-5D8D-4194-B6BF-E1D65F98CC22}"/>
+              </a:ext>
+            </a:extLst>
+          </p:cNvPr>
+          <p:cNvSpPr/>
+          <p:nvPr/>
+        </p:nvSpPr>
+        <p:spPr>
+          <a:xfrm>
+            <a:off x="3105011" y="2907323"/>
+            <a:ext cx="341574" cy="2914575"/>
+          </a:xfrm>
+          <a:prstGeom prst="roundRect">
+            <a:avLst/>
+          </a:prstGeom>
+          <a:noFill/>
+        </p:spPr>
+        <p:style>
+          <a:lnRef idx="2">
+            <a:schemeClr val="accent1">
+              <a:shade val="50000"/>
+            </a:schemeClr>
+          </a:lnRef>
+          <a:fillRef idx="1">
+            <a:schemeClr val="accent1"/>
+          </a:fillRef>
+          <a:effectRef idx="0">
+            <a:schemeClr val="accent1"/>
+          </a:effectRef>
+          <a:fontRef idx="minor">
+            <a:schemeClr val="lt1"/>
+          </a:fontRef>
+        </p:style>
+        <p:txBody>
+          <a:bodyPr rtlCol="0" anchor="ctr"/>
+          <a:lstStyle/>
+          <a:p>
+            <a:pPr algn="ctr"/>
+            <a:endParaRPr lang="en-US"/>
+          </a:p>
+        </p:txBody>
+      </p:sp>
+      <p:pic>
+        <p:nvPicPr>
+          <p:cNvPr id="11" name="Picture 10">
+            <a:extLst>
+              <a:ext uri="{FF2B5EF4-FFF2-40B4-BE49-F238E27FC236}">
+                <a16:creationId xmlns:a16="http://schemas.microsoft.com/office/drawing/2014/main" id="{BB93B42B-4260-4EE6-90E7-C8A10FED93B4}"/>
+              </a:ext>
+            </a:extLst>
+          </p:cNvPr>
+          <p:cNvPicPr>
+            <a:picLocks noChangeAspect="1"/>
+          </p:cNvPicPr>
+          <p:nvPr/>
+        </p:nvPicPr>
+        <p:blipFill rotWithShape="1">
+          <a:blip r:embed="rId3"/>
+          <a:srcRect b="1351"/>
+          <a:stretch/>
+        </p:blipFill>
+        <p:spPr>
+          <a:xfrm>
+            <a:off x="6638507" y="2745687"/>
+            <a:ext cx="5033690" cy="3076211"/>
+          </a:xfrm>
+          <a:prstGeom prst="rect">
+            <a:avLst/>
+          </a:prstGeom>
+        </p:spPr>
+      </p:pic>
+      <p:sp>
+        <p:nvSpPr>
+          <p:cNvPr id="12" name="Rectangle: Rounded Corners 11">
+            <a:extLst>
+              <a:ext uri="{FF2B5EF4-FFF2-40B4-BE49-F238E27FC236}">
+                <a16:creationId xmlns:a16="http://schemas.microsoft.com/office/drawing/2014/main" id="{995FF604-C9F0-4645-A6DB-E85456831A47}"/>
+              </a:ext>
+            </a:extLst>
+          </p:cNvPr>
+          <p:cNvSpPr/>
+          <p:nvPr/>
+        </p:nvSpPr>
+        <p:spPr>
+          <a:xfrm>
+            <a:off x="6840415" y="4062046"/>
+            <a:ext cx="838201" cy="832339"/>
+          </a:xfrm>
+          <a:prstGeom prst="roundRect">
+            <a:avLst/>
+          </a:prstGeom>
+          <a:noFill/>
+        </p:spPr>
+        <p:style>
+          <a:lnRef idx="2">
+            <a:schemeClr val="accent1">
+              <a:shade val="50000"/>
+            </a:schemeClr>
+          </a:lnRef>
+          <a:fillRef idx="1">
+            <a:schemeClr val="accent1"/>
+          </a:fillRef>
+          <a:effectRef idx="0">
+            <a:schemeClr val="accent1"/>
+          </a:effectRef>
+          <a:fontRef idx="minor">
+            <a:schemeClr val="lt1"/>
+          </a:fontRef>
+        </p:style>
+        <p:txBody>
+          <a:bodyPr rtlCol="0" anchor="ctr"/>
+          <a:lstStyle/>
+          <a:p>
+            <a:pPr algn="ctr"/>
+            <a:endParaRPr lang="en-US"/>
           </a:p>
         </p:txBody>
       </p:sp>
       <p:sp>
         <p:nvSpPr>
-          <p:cNvPr id="3" name="Content Placeholder 2">
+          <p:cNvPr id="13" name="TextBox 12">
             <a:extLst>
               <a:ext uri="{FF2B5EF4-FFF2-40B4-BE49-F238E27FC236}">
-                <a16:creationId xmlns:a16="http://schemas.microsoft.com/office/drawing/2014/main" id="{DBEC8AFB-BCD4-4301-8EA1-3DCF19A27CE0}"/>
-              </a:ext>
-            </a:extLst>
-          </p:cNvPr>
-          <p:cNvSpPr>
-            <a:spLocks noGrp="1"/>
-          </p:cNvSpPr>
-          <p:nvPr>
-            <p:ph idx="1"/>
-          </p:nvPr>
-        </p:nvSpPr>
-        <p:spPr>
-          <a:xfrm>
-            <a:off x="838200" y="1825625"/>
-            <a:ext cx="10515600" cy="2196613"/>
-          </a:xfrm>
-        </p:spPr>
-        <p:txBody>
-          <a:bodyPr/>
-          <a:lstStyle/>
-          <a:p>
-            <a:r>
-              <a:rPr lang="en-US" dirty="0"/>
-              <a:t>Outcomes based on Traditional (Electoral College winner take all, by state)</a:t>
-            </a:r>
-          </a:p>
-          <a:p>
-            <a:r>
-              <a:rPr lang="en-US" dirty="0"/>
-              <a:t>Outcomes based on straight National Popular Vote</a:t>
-            </a:r>
-          </a:p>
-          <a:p>
-            <a:r>
-              <a:rPr lang="en-US" dirty="0"/>
-              <a:t>Outcomes based on Popular vote by State with Electoral College</a:t>
-            </a:r>
-          </a:p>
-          <a:p>
-            <a:endParaRPr lang="en-US" dirty="0"/>
-          </a:p>
-        </p:txBody>
-      </p:sp>
-      <p:sp>
-        <p:nvSpPr>
-          <p:cNvPr id="4" name="TextBox 3">
-            <a:extLst>
-              <a:ext uri="{FF2B5EF4-FFF2-40B4-BE49-F238E27FC236}">
-                <a16:creationId xmlns:a16="http://schemas.microsoft.com/office/drawing/2014/main" id="{B6BE6E35-BED2-49B7-AEF7-BF2BF0205F7D}"/>
+                <a16:creationId xmlns:a16="http://schemas.microsoft.com/office/drawing/2014/main" id="{B968D733-4B72-4738-9789-7B4D8E801977}"/>
               </a:ext>
             </a:extLst>
           </p:cNvPr>
@@ -22309,8 +22886,8 @@
         </p:nvSpPr>
         <p:spPr>
           <a:xfrm>
-            <a:off x="1464162" y="4398096"/>
-            <a:ext cx="7881791" cy="369332"/>
+            <a:off x="3446585" y="6221804"/>
+            <a:ext cx="6056574" cy="523220"/>
           </a:xfrm>
           <a:prstGeom prst="rect">
             <a:avLst/>
@@ -22323,39 +22900,10 @@
           </a:bodyPr>
           <a:lstStyle/>
           <a:p>
-            <a:pPr marL="0" marR="0" lvl="0" indent="0" algn="l" defTabSz="457200" rtl="0" eaLnBrk="1" fontAlgn="auto" latinLnBrk="0" hangingPunct="1">
-              <a:lnSpc>
-                <a:spcPct val="100000"/>
-              </a:lnSpc>
-              <a:spcBef>
-                <a:spcPts val="0"/>
-              </a:spcBef>
-              <a:spcAft>
-                <a:spcPts val="0"/>
-              </a:spcAft>
-              <a:buClrTx/>
-              <a:buSzTx/>
-              <a:buFontTx/>
-              <a:buNone/>
-              <a:tabLst/>
-              <a:defRPr/>
-            </a:pPr>
+            <a:pPr algn="ctr"/>
             <a:r>
-              <a:rPr kumimoji="0" lang="en-US" sz="1800" b="0" i="0" u="none" strike="noStrike" kern="1200" cap="none" spc="0" normalizeH="0" baseline="0" noProof="0" dirty="0">
-                <a:ln>
-                  <a:noFill/>
-                </a:ln>
-                <a:solidFill>
-                  <a:prstClr val="black"/>
-                </a:solidFill>
-                <a:effectLst/>
-                <a:uLnTx/>
-                <a:uFillTx/>
-                <a:latin typeface="Tw Cen MT" panose="020B0602020104020603"/>
-                <a:ea typeface="+mn-ea"/>
-                <a:cs typeface="+mn-cs"/>
-              </a:rPr>
-              <a:t>Graphics to show vote impact on 5 biggest and 5 smallest states</a:t>
+              <a:rPr lang="en-US" sz="2800" dirty="0"/>
+              <a:t>No outcomes changed</a:t>
             </a:r>
           </a:p>
         </p:txBody>
@@ -22364,6 +22912,286 @@
     <p:extLst>
       <p:ext uri="{BB962C8B-B14F-4D97-AF65-F5344CB8AC3E}">
         <p14:creationId xmlns:p14="http://schemas.microsoft.com/office/powerpoint/2010/main" val="1343843635"/>
+      </p:ext>
+    </p:extLst>
+  </p:cSld>
+  <p:clrMapOvr>
+    <a:masterClrMapping/>
+  </p:clrMapOvr>
+  <p:timing>
+    <p:tnLst>
+      <p:par>
+        <p:cTn id="1" dur="indefinite" restart="never" nodeType="tmRoot">
+          <p:childTnLst>
+            <p:seq concurrent="1" nextAc="seek">
+              <p:cTn id="2" dur="indefinite" nodeType="mainSeq">
+                <p:childTnLst>
+                  <p:par>
+                    <p:cTn id="3" fill="hold">
+                      <p:stCondLst>
+                        <p:cond delay="indefinite"/>
+                      </p:stCondLst>
+                      <p:childTnLst>
+                        <p:par>
+                          <p:cTn id="4" fill="hold">
+                            <p:stCondLst>
+                              <p:cond delay="0"/>
+                            </p:stCondLst>
+                            <p:childTnLst>
+                              <p:par>
+                                <p:cTn id="5" presetID="1" presetClass="entr" presetSubtype="0" fill="hold" nodeType="clickEffect">
+                                  <p:stCondLst>
+                                    <p:cond delay="0"/>
+                                  </p:stCondLst>
+                                  <p:childTnLst>
+                                    <p:set>
+                                      <p:cBhvr>
+                                        <p:cTn id="6" dur="1" fill="hold">
+                                          <p:stCondLst>
+                                            <p:cond delay="0"/>
+                                          </p:stCondLst>
+                                        </p:cTn>
+                                        <p:tgtEl>
+                                          <p:spTgt spid="11"/>
+                                        </p:tgtEl>
+                                        <p:attrNameLst>
+                                          <p:attrName>style.visibility</p:attrName>
+                                        </p:attrNameLst>
+                                      </p:cBhvr>
+                                      <p:to>
+                                        <p:strVal val="visible"/>
+                                      </p:to>
+                                    </p:set>
+                                  </p:childTnLst>
+                                </p:cTn>
+                              </p:par>
+                            </p:childTnLst>
+                          </p:cTn>
+                        </p:par>
+                      </p:childTnLst>
+                    </p:cTn>
+                  </p:par>
+                  <p:par>
+                    <p:cTn id="7" fill="hold">
+                      <p:stCondLst>
+                        <p:cond delay="indefinite"/>
+                      </p:stCondLst>
+                      <p:childTnLst>
+                        <p:par>
+                          <p:cTn id="8" fill="hold">
+                            <p:stCondLst>
+                              <p:cond delay="0"/>
+                            </p:stCondLst>
+                            <p:childTnLst>
+                              <p:par>
+                                <p:cTn id="9" presetID="1" presetClass="entr" presetSubtype="0" fill="hold" grpId="0" nodeType="clickEffect">
+                                  <p:stCondLst>
+                                    <p:cond delay="0"/>
+                                  </p:stCondLst>
+                                  <p:childTnLst>
+                                    <p:set>
+                                      <p:cBhvr>
+                                        <p:cTn id="10" dur="1" fill="hold">
+                                          <p:stCondLst>
+                                            <p:cond delay="0"/>
+                                          </p:stCondLst>
+                                        </p:cTn>
+                                        <p:tgtEl>
+                                          <p:spTgt spid="9"/>
+                                        </p:tgtEl>
+                                        <p:attrNameLst>
+                                          <p:attrName>style.visibility</p:attrName>
+                                        </p:attrNameLst>
+                                      </p:cBhvr>
+                                      <p:to>
+                                        <p:strVal val="visible"/>
+                                      </p:to>
+                                    </p:set>
+                                  </p:childTnLst>
+                                </p:cTn>
+                              </p:par>
+                              <p:par>
+                                <p:cTn id="11" presetID="1" presetClass="entr" presetSubtype="0" fill="hold" grpId="0" nodeType="withEffect">
+                                  <p:stCondLst>
+                                    <p:cond delay="0"/>
+                                  </p:stCondLst>
+                                  <p:childTnLst>
+                                    <p:set>
+                                      <p:cBhvr>
+                                        <p:cTn id="12" dur="1" fill="hold">
+                                          <p:stCondLst>
+                                            <p:cond delay="0"/>
+                                          </p:stCondLst>
+                                        </p:cTn>
+                                        <p:tgtEl>
+                                          <p:spTgt spid="12"/>
+                                        </p:tgtEl>
+                                        <p:attrNameLst>
+                                          <p:attrName>style.visibility</p:attrName>
+                                        </p:attrNameLst>
+                                      </p:cBhvr>
+                                      <p:to>
+                                        <p:strVal val="visible"/>
+                                      </p:to>
+                                    </p:set>
+                                  </p:childTnLst>
+                                </p:cTn>
+                              </p:par>
+                            </p:childTnLst>
+                          </p:cTn>
+                        </p:par>
+                      </p:childTnLst>
+                    </p:cTn>
+                  </p:par>
+                  <p:par>
+                    <p:cTn id="13" fill="hold">
+                      <p:stCondLst>
+                        <p:cond delay="indefinite"/>
+                      </p:stCondLst>
+                      <p:childTnLst>
+                        <p:par>
+                          <p:cTn id="14" fill="hold">
+                            <p:stCondLst>
+                              <p:cond delay="0"/>
+                            </p:stCondLst>
+                            <p:childTnLst>
+                              <p:par>
+                                <p:cTn id="15" presetID="1" presetClass="entr" presetSubtype="0" fill="hold" grpId="0" nodeType="clickEffect">
+                                  <p:stCondLst>
+                                    <p:cond delay="0"/>
+                                  </p:stCondLst>
+                                  <p:childTnLst>
+                                    <p:set>
+                                      <p:cBhvr>
+                                        <p:cTn id="16" dur="1" fill="hold">
+                                          <p:stCondLst>
+                                            <p:cond delay="0"/>
+                                          </p:stCondLst>
+                                        </p:cTn>
+                                        <p:tgtEl>
+                                          <p:spTgt spid="13"/>
+                                        </p:tgtEl>
+                                        <p:attrNameLst>
+                                          <p:attrName>style.visibility</p:attrName>
+                                        </p:attrNameLst>
+                                      </p:cBhvr>
+                                      <p:to>
+                                        <p:strVal val="visible"/>
+                                      </p:to>
+                                    </p:set>
+                                  </p:childTnLst>
+                                </p:cTn>
+                              </p:par>
+                            </p:childTnLst>
+                          </p:cTn>
+                        </p:par>
+                      </p:childTnLst>
+                    </p:cTn>
+                  </p:par>
+                </p:childTnLst>
+              </p:cTn>
+              <p:prevCondLst>
+                <p:cond evt="onPrev" delay="0">
+                  <p:tgtEl>
+                    <p:sldTgt/>
+                  </p:tgtEl>
+                </p:cond>
+              </p:prevCondLst>
+              <p:nextCondLst>
+                <p:cond evt="onNext" delay="0">
+                  <p:tgtEl>
+                    <p:sldTgt/>
+                  </p:tgtEl>
+                </p:cond>
+              </p:nextCondLst>
+            </p:seq>
+          </p:childTnLst>
+        </p:cTn>
+      </p:par>
+    </p:tnLst>
+    <p:bldLst>
+      <p:bldP spid="9" grpId="0" animBg="1"/>
+      <p:bldP spid="12" grpId="0" animBg="1"/>
+      <p:bldP spid="13" grpId="0"/>
+    </p:bldLst>
+  </p:timing>
+</p:sld>
+</file>
+
+<file path=ppt/slides/slide6.xml><?xml version="1.0" encoding="utf-8"?>
+<p:sld xmlns:a="http://schemas.openxmlformats.org/drawingml/2006/main" xmlns:r="http://schemas.openxmlformats.org/officeDocument/2006/relationships" xmlns:p="http://schemas.openxmlformats.org/presentationml/2006/main">
+  <p:cSld>
+    <p:spTree>
+      <p:nvGrpSpPr>
+        <p:cNvPr id="1" name=""/>
+        <p:cNvGrpSpPr/>
+        <p:nvPr/>
+      </p:nvGrpSpPr>
+      <p:grpSpPr>
+        <a:xfrm>
+          <a:off x="0" y="0"/>
+          <a:ext cx="0" cy="0"/>
+          <a:chOff x="0" y="0"/>
+          <a:chExt cx="0" cy="0"/>
+        </a:xfrm>
+      </p:grpSpPr>
+      <p:sp>
+        <p:nvSpPr>
+          <p:cNvPr id="2" name="Title 1">
+            <a:extLst>
+              <a:ext uri="{FF2B5EF4-FFF2-40B4-BE49-F238E27FC236}">
+                <a16:creationId xmlns:a16="http://schemas.microsoft.com/office/drawing/2014/main" id="{36494141-430E-4782-95EF-85219EEF64D1}"/>
+              </a:ext>
+            </a:extLst>
+          </p:cNvPr>
+          <p:cNvSpPr>
+            <a:spLocks noGrp="1"/>
+          </p:cNvSpPr>
+          <p:nvPr>
+            <p:ph type="title"/>
+          </p:nvPr>
+        </p:nvSpPr>
+        <p:spPr/>
+        <p:txBody>
+          <a:bodyPr/>
+          <a:lstStyle/>
+          <a:p>
+            <a:r>
+              <a:rPr lang="en-US" dirty="0"/>
+              <a:t>Another solution</a:t>
+            </a:r>
+          </a:p>
+        </p:txBody>
+      </p:sp>
+      <p:sp>
+        <p:nvSpPr>
+          <p:cNvPr id="3" name="Content Placeholder 2">
+            <a:extLst>
+              <a:ext uri="{FF2B5EF4-FFF2-40B4-BE49-F238E27FC236}">
+                <a16:creationId xmlns:a16="http://schemas.microsoft.com/office/drawing/2014/main" id="{2ED1ED10-EF74-4613-ACAE-48AF832D99CD}"/>
+              </a:ext>
+            </a:extLst>
+          </p:cNvPr>
+          <p:cNvSpPr>
+            <a:spLocks noGrp="1"/>
+          </p:cNvSpPr>
+          <p:nvPr>
+            <p:ph idx="1"/>
+          </p:nvPr>
+        </p:nvSpPr>
+        <p:spPr/>
+        <p:txBody>
+          <a:bodyPr/>
+          <a:lstStyle/>
+          <a:p>
+            <a:endParaRPr lang="en-US"/>
+          </a:p>
+        </p:txBody>
+      </p:sp>
+    </p:spTree>
+    <p:extLst>
+      <p:ext uri="{BB962C8B-B14F-4D97-AF65-F5344CB8AC3E}">
+        <p14:creationId xmlns:p14="http://schemas.microsoft.com/office/powerpoint/2010/main" val="964170309"/>
       </p:ext>
     </p:extLst>
   </p:cSld>

--- a/project-dataviz.pptx
+++ b/project-dataviz.pptx
@@ -7,10 +7,11 @@
   <p:sldIdLst>
     <p:sldId id="256" r:id="rId2"/>
     <p:sldId id="258" r:id="rId3"/>
-    <p:sldId id="257" r:id="rId4"/>
-    <p:sldId id="259" r:id="rId5"/>
+    <p:sldId id="259" r:id="rId4"/>
+    <p:sldId id="257" r:id="rId5"/>
     <p:sldId id="260" r:id="rId6"/>
     <p:sldId id="261" r:id="rId7"/>
+    <p:sldId id="262" r:id="rId8"/>
   </p:sldIdLst>
   <p:sldSz cx="12192000" cy="6858000"/>
   <p:notesSz cx="6858000" cy="9144000"/>
@@ -20786,7 +20787,105 @@
                 <a:effectLst/>
                 <a:latin typeface="Arial" panose="020B0604020202020204" pitchFamily="34" charset="0"/>
               </a:rPr>
-              <a:t> selecting the Pope. The original idea was for the most knowledgeable and informed individuals from each State to select the president based solely on merit and without regard to State of origin or political party.”</a:t>
+              <a:t> selecting the Pope. The original idea was for the most </a:t>
+            </a:r>
+            <a:r>
+              <a:rPr lang="en-US" b="1" i="0" dirty="0">
+                <a:effectLst/>
+                <a:latin typeface="Arial" panose="020B0604020202020204" pitchFamily="34" charset="0"/>
+              </a:rPr>
+              <a:t>knowledgeable</a:t>
+            </a:r>
+            <a:r>
+              <a:rPr lang="en-US" b="0" i="0" dirty="0">
+                <a:effectLst/>
+                <a:latin typeface="Arial" panose="020B0604020202020204" pitchFamily="34" charset="0"/>
+              </a:rPr>
+              <a:t> and </a:t>
+            </a:r>
+            <a:r>
+              <a:rPr lang="en-US" b="1" i="0" dirty="0">
+                <a:effectLst/>
+                <a:latin typeface="Arial" panose="020B0604020202020204" pitchFamily="34" charset="0"/>
+              </a:rPr>
+              <a:t>informed individuals </a:t>
+            </a:r>
+            <a:r>
+              <a:rPr lang="en-US" b="0" i="0" dirty="0">
+                <a:effectLst/>
+                <a:latin typeface="Arial" panose="020B0604020202020204" pitchFamily="34" charset="0"/>
+              </a:rPr>
+              <a:t>from each State to </a:t>
+            </a:r>
+            <a:r>
+              <a:rPr lang="en-US" b="1" i="0" dirty="0">
+                <a:effectLst/>
+                <a:latin typeface="Arial" panose="020B0604020202020204" pitchFamily="34" charset="0"/>
+              </a:rPr>
+              <a:t>select the president based </a:t>
+            </a:r>
+            <a:r>
+              <a:rPr lang="en-US" b="0" i="0" dirty="0">
+                <a:effectLst/>
+                <a:latin typeface="Arial" panose="020B0604020202020204" pitchFamily="34" charset="0"/>
+              </a:rPr>
+              <a:t>solely </a:t>
+            </a:r>
+            <a:r>
+              <a:rPr lang="en-US" b="1" i="0" dirty="0">
+                <a:effectLst/>
+                <a:latin typeface="Arial" panose="020B0604020202020204" pitchFamily="34" charset="0"/>
+              </a:rPr>
+              <a:t>on merit</a:t>
+            </a:r>
+            <a:r>
+              <a:rPr lang="en-US" b="0" i="0" dirty="0">
+                <a:effectLst/>
+                <a:latin typeface="Arial" panose="020B0604020202020204" pitchFamily="34" charset="0"/>
+              </a:rPr>
+              <a:t> and </a:t>
+            </a:r>
+            <a:r>
+              <a:rPr lang="en-US" b="1" i="0" dirty="0">
+                <a:effectLst/>
+                <a:latin typeface="Arial" panose="020B0604020202020204" pitchFamily="34" charset="0"/>
+              </a:rPr>
+              <a:t>without regard </a:t>
+            </a:r>
+            <a:r>
+              <a:rPr lang="en-US" b="0" i="0" dirty="0">
+                <a:effectLst/>
+                <a:latin typeface="Arial" panose="020B0604020202020204" pitchFamily="34" charset="0"/>
+              </a:rPr>
+              <a:t>to </a:t>
+            </a:r>
+            <a:r>
+              <a:rPr lang="en-US" b="1" i="0" dirty="0">
+                <a:effectLst/>
+                <a:latin typeface="Arial" panose="020B0604020202020204" pitchFamily="34" charset="0"/>
+              </a:rPr>
+              <a:t>State of origin</a:t>
+            </a:r>
+            <a:r>
+              <a:rPr lang="en-US" b="0" i="0" dirty="0">
+                <a:effectLst/>
+                <a:latin typeface="Arial" panose="020B0604020202020204" pitchFamily="34" charset="0"/>
+              </a:rPr>
+              <a:t> or </a:t>
+            </a:r>
+            <a:r>
+              <a:rPr lang="en-US" b="1" i="0" dirty="0">
+                <a:effectLst/>
+                <a:latin typeface="Arial" panose="020B0604020202020204" pitchFamily="34" charset="0"/>
+              </a:rPr>
+              <a:t>political party</a:t>
+            </a:r>
+            <a:r>
+              <a:rPr lang="en-US" b="0" i="0" dirty="0">
+                <a:effectLst/>
+                <a:latin typeface="Arial" panose="020B0604020202020204" pitchFamily="34" charset="0"/>
+              </a:rPr>
+              <a:t>.”</a:t>
             </a:r>
           </a:p>
           <a:p>
@@ -20821,536 +20920,6 @@
 </file>
 
 <file path=ppt/slides/slide3.xml><?xml version="1.0" encoding="utf-8"?>
-<p:sld xmlns:a="http://schemas.openxmlformats.org/drawingml/2006/main" xmlns:r="http://schemas.openxmlformats.org/officeDocument/2006/relationships" xmlns:p="http://schemas.openxmlformats.org/presentationml/2006/main">
-  <p:cSld>
-    <p:spTree>
-      <p:nvGrpSpPr>
-        <p:cNvPr id="1" name=""/>
-        <p:cNvGrpSpPr/>
-        <p:nvPr/>
-      </p:nvGrpSpPr>
-      <p:grpSpPr>
-        <a:xfrm>
-          <a:off x="0" y="0"/>
-          <a:ext cx="0" cy="0"/>
-          <a:chOff x="0" y="0"/>
-          <a:chExt cx="0" cy="0"/>
-        </a:xfrm>
-      </p:grpSpPr>
-      <p:pic>
-        <p:nvPicPr>
-          <p:cNvPr id="9" name="Content Placeholder 8">
-            <a:extLst>
-              <a:ext uri="{FF2B5EF4-FFF2-40B4-BE49-F238E27FC236}">
-                <a16:creationId xmlns:a16="http://schemas.microsoft.com/office/drawing/2014/main" id="{FA558190-E923-40AD-B51C-321D19F64C3B}"/>
-              </a:ext>
-            </a:extLst>
-          </p:cNvPr>
-          <p:cNvPicPr>
-            <a:picLocks noGrp="1" noChangeAspect="1"/>
-          </p:cNvPicPr>
-          <p:nvPr>
-            <p:ph idx="1"/>
-          </p:nvPr>
-        </p:nvPicPr>
-        <p:blipFill rotWithShape="1">
-          <a:blip r:embed="rId2">
-            <a:extLst>
-              <a:ext uri="{28A0092B-C50C-407E-A947-70E740481C1C}">
-                <a14:useLocalDpi xmlns:a14="http://schemas.microsoft.com/office/drawing/2010/main" val="0"/>
-              </a:ext>
-            </a:extLst>
-          </a:blip>
-          <a:srcRect t="8579" r="8614" b="6152"/>
-          <a:stretch/>
-        </p:blipFill>
-        <p:spPr>
-          <a:xfrm>
-            <a:off x="347257" y="1251031"/>
-            <a:ext cx="8308768" cy="5398049"/>
-          </a:xfrm>
-        </p:spPr>
-      </p:pic>
-      <p:sp>
-        <p:nvSpPr>
-          <p:cNvPr id="2" name="Title 1">
-            <a:extLst>
-              <a:ext uri="{FF2B5EF4-FFF2-40B4-BE49-F238E27FC236}">
-                <a16:creationId xmlns:a16="http://schemas.microsoft.com/office/drawing/2014/main" id="{FE56424F-548B-4D30-A99A-680338B5696C}"/>
-              </a:ext>
-            </a:extLst>
-          </p:cNvPr>
-          <p:cNvSpPr>
-            <a:spLocks noGrp="1"/>
-          </p:cNvSpPr>
-          <p:nvPr>
-            <p:ph type="title"/>
-          </p:nvPr>
-        </p:nvSpPr>
-        <p:spPr>
-          <a:xfrm>
-            <a:off x="684004" y="113991"/>
-            <a:ext cx="9720072" cy="1499616"/>
-          </a:xfrm>
-        </p:spPr>
-        <p:txBody>
-          <a:bodyPr/>
-          <a:lstStyle/>
-          <a:p>
-            <a:r>
-              <a:rPr lang="en-US" dirty="0"/>
-              <a:t>Electoral vote value (Traditional)</a:t>
-            </a:r>
-          </a:p>
-        </p:txBody>
-      </p:sp>
-      <p:sp>
-        <p:nvSpPr>
-          <p:cNvPr id="15" name="TextBox 14">
-            <a:extLst>
-              <a:ext uri="{FF2B5EF4-FFF2-40B4-BE49-F238E27FC236}">
-                <a16:creationId xmlns:a16="http://schemas.microsoft.com/office/drawing/2014/main" id="{DCB5FD58-FCAD-44CD-AEAC-A5563872A48E}"/>
-              </a:ext>
-            </a:extLst>
-          </p:cNvPr>
-          <p:cNvSpPr txBox="1"/>
-          <p:nvPr/>
-        </p:nvSpPr>
-        <p:spPr>
-          <a:xfrm>
-            <a:off x="8715884" y="2513086"/>
-            <a:ext cx="649609" cy="635841"/>
-          </a:xfrm>
-          <a:prstGeom prst="rect">
-            <a:avLst/>
-          </a:prstGeom>
-          <a:noFill/>
-        </p:spPr>
-        <p:txBody>
-          <a:bodyPr wrap="square" rtlCol="0">
-            <a:spAutoFit/>
-          </a:bodyPr>
-          <a:lstStyle/>
-          <a:p>
-            <a:endParaRPr lang="en-US" dirty="0"/>
-          </a:p>
-        </p:txBody>
-      </p:sp>
-      <p:grpSp>
-        <p:nvGrpSpPr>
-          <p:cNvPr id="25" name="Group 24">
-            <a:extLst>
-              <a:ext uri="{FF2B5EF4-FFF2-40B4-BE49-F238E27FC236}">
-                <a16:creationId xmlns:a16="http://schemas.microsoft.com/office/drawing/2014/main" id="{32A4E1F7-5B20-4404-9982-E00091173886}"/>
-              </a:ext>
-            </a:extLst>
-          </p:cNvPr>
-          <p:cNvGrpSpPr/>
-          <p:nvPr/>
-        </p:nvGrpSpPr>
-        <p:grpSpPr>
-          <a:xfrm>
-            <a:off x="8622649" y="1659242"/>
-            <a:ext cx="911877" cy="3064149"/>
-            <a:chOff x="9971221" y="1659242"/>
-            <a:chExt cx="911877" cy="3064149"/>
-          </a:xfrm>
-        </p:grpSpPr>
-        <p:cxnSp>
-          <p:nvCxnSpPr>
-            <p:cNvPr id="11" name="Straight Arrow Connector 10">
-              <a:extLst>
-                <a:ext uri="{FF2B5EF4-FFF2-40B4-BE49-F238E27FC236}">
-                  <a16:creationId xmlns:a16="http://schemas.microsoft.com/office/drawing/2014/main" id="{C1FF0EEA-9591-4CC2-9183-1FD27B4DA787}"/>
-                </a:ext>
-              </a:extLst>
-            </p:cNvPr>
-            <p:cNvCxnSpPr>
-              <a:cxnSpLocks/>
-            </p:cNvCxnSpPr>
-            <p:nvPr/>
-          </p:nvCxnSpPr>
-          <p:spPr>
-            <a:xfrm>
-              <a:off x="10017838" y="1659242"/>
-              <a:ext cx="0" cy="3064149"/>
-            </a:xfrm>
-            <a:prstGeom prst="straightConnector1">
-              <a:avLst/>
-            </a:prstGeom>
-            <a:ln>
-              <a:headEnd type="triangle"/>
-              <a:tailEnd type="triangle"/>
-            </a:ln>
-          </p:spPr>
-          <p:style>
-            <a:lnRef idx="1">
-              <a:schemeClr val="dk1"/>
-            </a:lnRef>
-            <a:fillRef idx="0">
-              <a:schemeClr val="dk1"/>
-            </a:fillRef>
-            <a:effectRef idx="0">
-              <a:schemeClr val="dk1"/>
-            </a:effectRef>
-            <a:fontRef idx="minor">
-              <a:schemeClr val="tx1"/>
-            </a:fontRef>
-          </p:style>
-        </p:cxnSp>
-        <p:sp>
-          <p:nvSpPr>
-            <p:cNvPr id="18" name="TextBox 17">
-              <a:extLst>
-                <a:ext uri="{FF2B5EF4-FFF2-40B4-BE49-F238E27FC236}">
-                  <a16:creationId xmlns:a16="http://schemas.microsoft.com/office/drawing/2014/main" id="{307C8936-8F91-48A5-9491-03BB285531CF}"/>
-                </a:ext>
-              </a:extLst>
-            </p:cNvPr>
-            <p:cNvSpPr txBox="1"/>
-            <p:nvPr/>
-          </p:nvSpPr>
-          <p:spPr>
-            <a:xfrm>
-              <a:off x="9971221" y="2891593"/>
-              <a:ext cx="911877" cy="369332"/>
-            </a:xfrm>
-            <a:prstGeom prst="rect">
-              <a:avLst/>
-            </a:prstGeom>
-            <a:noFill/>
-          </p:spPr>
-          <p:txBody>
-            <a:bodyPr wrap="square">
-              <a:spAutoFit/>
-            </a:bodyPr>
-            <a:lstStyle/>
-            <a:p>
-              <a:r>
-                <a:rPr lang="en-US" dirty="0"/>
-                <a:t>527k</a:t>
-              </a:r>
-            </a:p>
-          </p:txBody>
-        </p:sp>
-      </p:grpSp>
-      <p:grpSp>
-        <p:nvGrpSpPr>
-          <p:cNvPr id="24" name="Group 23">
-            <a:extLst>
-              <a:ext uri="{FF2B5EF4-FFF2-40B4-BE49-F238E27FC236}">
-                <a16:creationId xmlns:a16="http://schemas.microsoft.com/office/drawing/2014/main" id="{429CEC37-E2F0-4E45-BBEE-35DD9F8F1B7A}"/>
-              </a:ext>
-            </a:extLst>
-          </p:cNvPr>
-          <p:cNvGrpSpPr/>
-          <p:nvPr/>
-        </p:nvGrpSpPr>
-        <p:grpSpPr>
-          <a:xfrm>
-            <a:off x="851134" y="5571194"/>
-            <a:ext cx="597994" cy="369332"/>
-            <a:chOff x="2199706" y="5571194"/>
-            <a:chExt cx="597994" cy="369332"/>
-          </a:xfrm>
-        </p:grpSpPr>
-        <p:sp>
-          <p:nvSpPr>
-            <p:cNvPr id="17" name="TextBox 16">
-              <a:extLst>
-                <a:ext uri="{FF2B5EF4-FFF2-40B4-BE49-F238E27FC236}">
-                  <a16:creationId xmlns:a16="http://schemas.microsoft.com/office/drawing/2014/main" id="{8046B293-4B16-4C1E-BBCC-D428D75E0212}"/>
-                </a:ext>
-              </a:extLst>
-            </p:cNvPr>
-            <p:cNvSpPr txBox="1"/>
-            <p:nvPr/>
-          </p:nvSpPr>
-          <p:spPr>
-            <a:xfrm>
-              <a:off x="2199706" y="5571194"/>
-              <a:ext cx="597994" cy="369332"/>
-            </a:xfrm>
-            <a:prstGeom prst="rect">
-              <a:avLst/>
-            </a:prstGeom>
-            <a:noFill/>
-          </p:spPr>
-          <p:txBody>
-            <a:bodyPr wrap="square">
-              <a:spAutoFit/>
-            </a:bodyPr>
-            <a:lstStyle/>
-            <a:p>
-              <a:r>
-                <a:rPr lang="en-US" dirty="0"/>
-                <a:t>27k</a:t>
-              </a:r>
-            </a:p>
-          </p:txBody>
-        </p:sp>
-        <p:cxnSp>
-          <p:nvCxnSpPr>
-            <p:cNvPr id="21" name="Straight Arrow Connector 20">
-              <a:extLst>
-                <a:ext uri="{FF2B5EF4-FFF2-40B4-BE49-F238E27FC236}">
-                  <a16:creationId xmlns:a16="http://schemas.microsoft.com/office/drawing/2014/main" id="{7F204158-C8BA-440E-B573-E59A64921B76}"/>
-                </a:ext>
-              </a:extLst>
-            </p:cNvPr>
-            <p:cNvCxnSpPr>
-              <a:cxnSpLocks/>
-            </p:cNvCxnSpPr>
-            <p:nvPr/>
-          </p:nvCxnSpPr>
-          <p:spPr>
-            <a:xfrm>
-              <a:off x="2691536" y="5619624"/>
-              <a:ext cx="0" cy="272472"/>
-            </a:xfrm>
-            <a:prstGeom prst="straightConnector1">
-              <a:avLst/>
-            </a:prstGeom>
-            <a:ln>
-              <a:headEnd type="triangle"/>
-              <a:tailEnd type="triangle"/>
-            </a:ln>
-          </p:spPr>
-          <p:style>
-            <a:lnRef idx="1">
-              <a:schemeClr val="dk1"/>
-            </a:lnRef>
-            <a:fillRef idx="0">
-              <a:schemeClr val="dk1"/>
-            </a:fillRef>
-            <a:effectRef idx="0">
-              <a:schemeClr val="dk1"/>
-            </a:effectRef>
-            <a:fontRef idx="minor">
-              <a:schemeClr val="tx1"/>
-            </a:fontRef>
-          </p:style>
-        </p:cxnSp>
-      </p:grpSp>
-      <p:sp>
-        <p:nvSpPr>
-          <p:cNvPr id="26" name="TextBox 25">
-            <a:extLst>
-              <a:ext uri="{FF2B5EF4-FFF2-40B4-BE49-F238E27FC236}">
-                <a16:creationId xmlns:a16="http://schemas.microsoft.com/office/drawing/2014/main" id="{DD04B47C-7C1E-4211-9352-076DDD070D2F}"/>
-              </a:ext>
-            </a:extLst>
-          </p:cNvPr>
-          <p:cNvSpPr txBox="1"/>
-          <p:nvPr/>
-        </p:nvSpPr>
-        <p:spPr>
-          <a:xfrm flipH="1">
-            <a:off x="9078587" y="1659242"/>
-            <a:ext cx="2960273" cy="2616101"/>
-          </a:xfrm>
-          <a:prstGeom prst="rect">
-            <a:avLst/>
-          </a:prstGeom>
-          <a:noFill/>
-        </p:spPr>
-        <p:txBody>
-          <a:bodyPr wrap="square" rtlCol="0">
-            <a:spAutoFit/>
-          </a:bodyPr>
-          <a:lstStyle/>
-          <a:p>
-            <a:r>
-              <a:rPr lang="en-US" sz="2000" b="1" dirty="0"/>
-              <a:t>Current Electoral College</a:t>
-            </a:r>
-          </a:p>
-          <a:p>
-            <a:pPr marL="285750" indent="-285750">
-              <a:buFont typeface="Arial" panose="020B0604020202020204" pitchFamily="34" charset="0"/>
-              <a:buChar char="•"/>
-            </a:pPr>
-            <a:r>
-              <a:rPr lang="en-US" dirty="0"/>
-              <a:t>Electors  decided based on number of senators (2) </a:t>
-            </a:r>
-          </a:p>
-          <a:p>
-            <a:pPr marL="285750" indent="-285750">
-              <a:buFont typeface="Arial" panose="020B0604020202020204" pitchFamily="34" charset="0"/>
-              <a:buChar char="•"/>
-            </a:pPr>
-            <a:r>
-              <a:rPr lang="en-US" dirty="0"/>
-              <a:t>Number of representatives: based on relative population</a:t>
-            </a:r>
-            <a:r>
-              <a:rPr lang="en-US" b="0" i="0" dirty="0">
-                <a:solidFill>
-                  <a:srgbClr val="000000"/>
-                </a:solidFill>
-                <a:effectLst/>
-                <a:latin typeface="Lora"/>
-              </a:rPr>
-              <a:t> (minimum of 1) currently </a:t>
-            </a:r>
-            <a:r>
-              <a:rPr lang="en-US" b="1" i="0" dirty="0">
-                <a:solidFill>
-                  <a:srgbClr val="000000"/>
-                </a:solidFill>
-                <a:effectLst/>
-                <a:latin typeface="Lora"/>
-              </a:rPr>
-              <a:t>capped at 535</a:t>
-            </a:r>
-          </a:p>
-          <a:p>
-            <a:pPr marL="285750" indent="-285750">
-              <a:buFont typeface="Arial" panose="020B0604020202020204" pitchFamily="34" charset="0"/>
-              <a:buChar char="•"/>
-            </a:pPr>
-            <a:r>
-              <a:rPr lang="en-US" dirty="0"/>
-              <a:t>Each state has a minimum of 3 electors</a:t>
-            </a:r>
-          </a:p>
-        </p:txBody>
-      </p:sp>
-    </p:spTree>
-    <p:extLst>
-      <p:ext uri="{BB962C8B-B14F-4D97-AF65-F5344CB8AC3E}">
-        <p14:creationId xmlns:p14="http://schemas.microsoft.com/office/powerpoint/2010/main" val="2235912950"/>
-      </p:ext>
-    </p:extLst>
-  </p:cSld>
-  <p:clrMapOvr>
-    <a:masterClrMapping/>
-  </p:clrMapOvr>
-  <p:timing>
-    <p:tnLst>
-      <p:par>
-        <p:cTn id="1" dur="indefinite" restart="never" nodeType="tmRoot">
-          <p:childTnLst>
-            <p:seq concurrent="1" nextAc="seek">
-              <p:cTn id="2" dur="indefinite" nodeType="mainSeq">
-                <p:childTnLst>
-                  <p:par>
-                    <p:cTn id="3" fill="hold">
-                      <p:stCondLst>
-                        <p:cond delay="indefinite"/>
-                      </p:stCondLst>
-                      <p:childTnLst>
-                        <p:par>
-                          <p:cTn id="4" fill="hold">
-                            <p:stCondLst>
-                              <p:cond delay="0"/>
-                            </p:stCondLst>
-                            <p:childTnLst>
-                              <p:par>
-                                <p:cTn id="5" presetID="1" presetClass="entr" presetSubtype="0" fill="hold" nodeType="clickEffect">
-                                  <p:stCondLst>
-                                    <p:cond delay="0"/>
-                                  </p:stCondLst>
-                                  <p:childTnLst>
-                                    <p:set>
-                                      <p:cBhvr>
-                                        <p:cTn id="6" dur="1" fill="hold">
-                                          <p:stCondLst>
-                                            <p:cond delay="0"/>
-                                          </p:stCondLst>
-                                        </p:cTn>
-                                        <p:tgtEl>
-                                          <p:spTgt spid="24"/>
-                                        </p:tgtEl>
-                                        <p:attrNameLst>
-                                          <p:attrName>style.visibility</p:attrName>
-                                        </p:attrNameLst>
-                                      </p:cBhvr>
-                                      <p:to>
-                                        <p:strVal val="visible"/>
-                                      </p:to>
-                                    </p:set>
-                                  </p:childTnLst>
-                                </p:cTn>
-                              </p:par>
-                            </p:childTnLst>
-                          </p:cTn>
-                        </p:par>
-                      </p:childTnLst>
-                    </p:cTn>
-                  </p:par>
-                  <p:par>
-                    <p:cTn id="7" fill="hold">
-                      <p:stCondLst>
-                        <p:cond delay="indefinite"/>
-                      </p:stCondLst>
-                      <p:childTnLst>
-                        <p:par>
-                          <p:cTn id="8" fill="hold">
-                            <p:stCondLst>
-                              <p:cond delay="0"/>
-                            </p:stCondLst>
-                            <p:childTnLst>
-                              <p:par>
-                                <p:cTn id="9" presetID="1" presetClass="entr" presetSubtype="0" fill="hold" nodeType="clickEffect">
-                                  <p:stCondLst>
-                                    <p:cond delay="0"/>
-                                  </p:stCondLst>
-                                  <p:childTnLst>
-                                    <p:set>
-                                      <p:cBhvr>
-                                        <p:cTn id="10" dur="1" fill="hold">
-                                          <p:stCondLst>
-                                            <p:cond delay="0"/>
-                                          </p:stCondLst>
-                                        </p:cTn>
-                                        <p:tgtEl>
-                                          <p:spTgt spid="25"/>
-                                        </p:tgtEl>
-                                        <p:attrNameLst>
-                                          <p:attrName>style.visibility</p:attrName>
-                                        </p:attrNameLst>
-                                      </p:cBhvr>
-                                      <p:to>
-                                        <p:strVal val="visible"/>
-                                      </p:to>
-                                    </p:set>
-                                  </p:childTnLst>
-                                </p:cTn>
-                              </p:par>
-                            </p:childTnLst>
-                          </p:cTn>
-                        </p:par>
-                      </p:childTnLst>
-                    </p:cTn>
-                  </p:par>
-                </p:childTnLst>
-              </p:cTn>
-              <p:prevCondLst>
-                <p:cond evt="onPrev" delay="0">
-                  <p:tgtEl>
-                    <p:sldTgt/>
-                  </p:tgtEl>
-                </p:cond>
-              </p:prevCondLst>
-              <p:nextCondLst>
-                <p:cond evt="onNext" delay="0">
-                  <p:tgtEl>
-                    <p:sldTgt/>
-                  </p:tgtEl>
-                </p:cond>
-              </p:nextCondLst>
-            </p:seq>
-          </p:childTnLst>
-        </p:cTn>
-      </p:par>
-    </p:tnLst>
-  </p:timing>
-</p:sld>
-</file>
-
-<file path=ppt/slides/slide4.xml><?xml version="1.0" encoding="utf-8"?>
 <p:sld xmlns:a="http://schemas.openxmlformats.org/drawingml/2006/main" xmlns:r="http://schemas.openxmlformats.org/officeDocument/2006/relationships" xmlns:p="http://schemas.openxmlformats.org/presentationml/2006/main">
   <p:cSld>
     <p:spTree>
@@ -22669,6 +22238,616 @@
 </p:sld>
 </file>
 
+<file path=ppt/slides/slide4.xml><?xml version="1.0" encoding="utf-8"?>
+<p:sld xmlns:a="http://schemas.openxmlformats.org/drawingml/2006/main" xmlns:r="http://schemas.openxmlformats.org/officeDocument/2006/relationships" xmlns:p="http://schemas.openxmlformats.org/presentationml/2006/main">
+  <p:cSld>
+    <p:spTree>
+      <p:nvGrpSpPr>
+        <p:cNvPr id="1" name=""/>
+        <p:cNvGrpSpPr/>
+        <p:nvPr/>
+      </p:nvGrpSpPr>
+      <p:grpSpPr>
+        <a:xfrm>
+          <a:off x="0" y="0"/>
+          <a:ext cx="0" cy="0"/>
+          <a:chOff x="0" y="0"/>
+          <a:chExt cx="0" cy="0"/>
+        </a:xfrm>
+      </p:grpSpPr>
+      <p:pic>
+        <p:nvPicPr>
+          <p:cNvPr id="9" name="Content Placeholder 8">
+            <a:extLst>
+              <a:ext uri="{FF2B5EF4-FFF2-40B4-BE49-F238E27FC236}">
+                <a16:creationId xmlns:a16="http://schemas.microsoft.com/office/drawing/2014/main" id="{FA558190-E923-40AD-B51C-321D19F64C3B}"/>
+              </a:ext>
+            </a:extLst>
+          </p:cNvPr>
+          <p:cNvPicPr>
+            <a:picLocks noGrp="1" noChangeAspect="1"/>
+          </p:cNvPicPr>
+          <p:nvPr>
+            <p:ph idx="1"/>
+          </p:nvPr>
+        </p:nvPicPr>
+        <p:blipFill rotWithShape="1">
+          <a:blip r:embed="rId2">
+            <a:extLst>
+              <a:ext uri="{28A0092B-C50C-407E-A947-70E740481C1C}">
+                <a14:useLocalDpi xmlns:a14="http://schemas.microsoft.com/office/drawing/2010/main" val="0"/>
+              </a:ext>
+            </a:extLst>
+          </a:blip>
+          <a:srcRect t="8579" r="8614" b="6152"/>
+          <a:stretch/>
+        </p:blipFill>
+        <p:spPr>
+          <a:xfrm>
+            <a:off x="347257" y="1251031"/>
+            <a:ext cx="8308768" cy="5398049"/>
+          </a:xfrm>
+        </p:spPr>
+      </p:pic>
+      <p:sp>
+        <p:nvSpPr>
+          <p:cNvPr id="2" name="Title 1">
+            <a:extLst>
+              <a:ext uri="{FF2B5EF4-FFF2-40B4-BE49-F238E27FC236}">
+                <a16:creationId xmlns:a16="http://schemas.microsoft.com/office/drawing/2014/main" id="{FE56424F-548B-4D30-A99A-680338B5696C}"/>
+              </a:ext>
+            </a:extLst>
+          </p:cNvPr>
+          <p:cNvSpPr>
+            <a:spLocks noGrp="1"/>
+          </p:cNvSpPr>
+          <p:nvPr>
+            <p:ph type="title"/>
+          </p:nvPr>
+        </p:nvSpPr>
+        <p:spPr>
+          <a:xfrm>
+            <a:off x="684004" y="113991"/>
+            <a:ext cx="9720072" cy="1499616"/>
+          </a:xfrm>
+        </p:spPr>
+        <p:txBody>
+          <a:bodyPr/>
+          <a:lstStyle/>
+          <a:p>
+            <a:r>
+              <a:rPr lang="en-US" dirty="0"/>
+              <a:t>Electoral vote value (Traditional)</a:t>
+            </a:r>
+          </a:p>
+        </p:txBody>
+      </p:sp>
+      <p:sp>
+        <p:nvSpPr>
+          <p:cNvPr id="15" name="TextBox 14">
+            <a:extLst>
+              <a:ext uri="{FF2B5EF4-FFF2-40B4-BE49-F238E27FC236}">
+                <a16:creationId xmlns:a16="http://schemas.microsoft.com/office/drawing/2014/main" id="{DCB5FD58-FCAD-44CD-AEAC-A5563872A48E}"/>
+              </a:ext>
+            </a:extLst>
+          </p:cNvPr>
+          <p:cNvSpPr txBox="1"/>
+          <p:nvPr/>
+        </p:nvSpPr>
+        <p:spPr>
+          <a:xfrm>
+            <a:off x="8715884" y="2513086"/>
+            <a:ext cx="649609" cy="635841"/>
+          </a:xfrm>
+          <a:prstGeom prst="rect">
+            <a:avLst/>
+          </a:prstGeom>
+          <a:noFill/>
+        </p:spPr>
+        <p:txBody>
+          <a:bodyPr wrap="square" rtlCol="0">
+            <a:spAutoFit/>
+          </a:bodyPr>
+          <a:lstStyle/>
+          <a:p>
+            <a:endParaRPr lang="en-US" dirty="0"/>
+          </a:p>
+        </p:txBody>
+      </p:sp>
+      <p:grpSp>
+        <p:nvGrpSpPr>
+          <p:cNvPr id="25" name="Group 24">
+            <a:extLst>
+              <a:ext uri="{FF2B5EF4-FFF2-40B4-BE49-F238E27FC236}">
+                <a16:creationId xmlns:a16="http://schemas.microsoft.com/office/drawing/2014/main" id="{32A4E1F7-5B20-4404-9982-E00091173886}"/>
+              </a:ext>
+            </a:extLst>
+          </p:cNvPr>
+          <p:cNvGrpSpPr/>
+          <p:nvPr/>
+        </p:nvGrpSpPr>
+        <p:grpSpPr>
+          <a:xfrm>
+            <a:off x="8622649" y="1659242"/>
+            <a:ext cx="911877" cy="3064149"/>
+            <a:chOff x="9971221" y="1659242"/>
+            <a:chExt cx="911877" cy="3064149"/>
+          </a:xfrm>
+        </p:grpSpPr>
+        <p:cxnSp>
+          <p:nvCxnSpPr>
+            <p:cNvPr id="11" name="Straight Arrow Connector 10">
+              <a:extLst>
+                <a:ext uri="{FF2B5EF4-FFF2-40B4-BE49-F238E27FC236}">
+                  <a16:creationId xmlns:a16="http://schemas.microsoft.com/office/drawing/2014/main" id="{C1FF0EEA-9591-4CC2-9183-1FD27B4DA787}"/>
+                </a:ext>
+              </a:extLst>
+            </p:cNvPr>
+            <p:cNvCxnSpPr>
+              <a:cxnSpLocks/>
+            </p:cNvCxnSpPr>
+            <p:nvPr/>
+          </p:nvCxnSpPr>
+          <p:spPr>
+            <a:xfrm>
+              <a:off x="10017838" y="1659242"/>
+              <a:ext cx="0" cy="3064149"/>
+            </a:xfrm>
+            <a:prstGeom prst="straightConnector1">
+              <a:avLst/>
+            </a:prstGeom>
+            <a:ln>
+              <a:headEnd type="triangle"/>
+              <a:tailEnd type="triangle"/>
+            </a:ln>
+          </p:spPr>
+          <p:style>
+            <a:lnRef idx="1">
+              <a:schemeClr val="dk1"/>
+            </a:lnRef>
+            <a:fillRef idx="0">
+              <a:schemeClr val="dk1"/>
+            </a:fillRef>
+            <a:effectRef idx="0">
+              <a:schemeClr val="dk1"/>
+            </a:effectRef>
+            <a:fontRef idx="minor">
+              <a:schemeClr val="tx1"/>
+            </a:fontRef>
+          </p:style>
+        </p:cxnSp>
+        <p:sp>
+          <p:nvSpPr>
+            <p:cNvPr id="18" name="TextBox 17">
+              <a:extLst>
+                <a:ext uri="{FF2B5EF4-FFF2-40B4-BE49-F238E27FC236}">
+                  <a16:creationId xmlns:a16="http://schemas.microsoft.com/office/drawing/2014/main" id="{307C8936-8F91-48A5-9491-03BB285531CF}"/>
+                </a:ext>
+              </a:extLst>
+            </p:cNvPr>
+            <p:cNvSpPr txBox="1"/>
+            <p:nvPr/>
+          </p:nvSpPr>
+          <p:spPr>
+            <a:xfrm>
+              <a:off x="9971221" y="2891593"/>
+              <a:ext cx="911877" cy="369332"/>
+            </a:xfrm>
+            <a:prstGeom prst="rect">
+              <a:avLst/>
+            </a:prstGeom>
+            <a:noFill/>
+          </p:spPr>
+          <p:txBody>
+            <a:bodyPr wrap="square">
+              <a:spAutoFit/>
+            </a:bodyPr>
+            <a:lstStyle/>
+            <a:p>
+              <a:r>
+                <a:rPr lang="en-US" dirty="0"/>
+                <a:t>527k</a:t>
+              </a:r>
+            </a:p>
+          </p:txBody>
+        </p:sp>
+      </p:grpSp>
+      <p:grpSp>
+        <p:nvGrpSpPr>
+          <p:cNvPr id="24" name="Group 23">
+            <a:extLst>
+              <a:ext uri="{FF2B5EF4-FFF2-40B4-BE49-F238E27FC236}">
+                <a16:creationId xmlns:a16="http://schemas.microsoft.com/office/drawing/2014/main" id="{429CEC37-E2F0-4E45-BBEE-35DD9F8F1B7A}"/>
+              </a:ext>
+            </a:extLst>
+          </p:cNvPr>
+          <p:cNvGrpSpPr/>
+          <p:nvPr/>
+        </p:nvGrpSpPr>
+        <p:grpSpPr>
+          <a:xfrm>
+            <a:off x="851134" y="5571194"/>
+            <a:ext cx="597994" cy="369332"/>
+            <a:chOff x="2199706" y="5571194"/>
+            <a:chExt cx="597994" cy="369332"/>
+          </a:xfrm>
+        </p:grpSpPr>
+        <p:sp>
+          <p:nvSpPr>
+            <p:cNvPr id="17" name="TextBox 16">
+              <a:extLst>
+                <a:ext uri="{FF2B5EF4-FFF2-40B4-BE49-F238E27FC236}">
+                  <a16:creationId xmlns:a16="http://schemas.microsoft.com/office/drawing/2014/main" id="{8046B293-4B16-4C1E-BBCC-D428D75E0212}"/>
+                </a:ext>
+              </a:extLst>
+            </p:cNvPr>
+            <p:cNvSpPr txBox="1"/>
+            <p:nvPr/>
+          </p:nvSpPr>
+          <p:spPr>
+            <a:xfrm>
+              <a:off x="2199706" y="5571194"/>
+              <a:ext cx="597994" cy="369332"/>
+            </a:xfrm>
+            <a:prstGeom prst="rect">
+              <a:avLst/>
+            </a:prstGeom>
+            <a:noFill/>
+          </p:spPr>
+          <p:txBody>
+            <a:bodyPr wrap="square">
+              <a:spAutoFit/>
+            </a:bodyPr>
+            <a:lstStyle/>
+            <a:p>
+              <a:r>
+                <a:rPr lang="en-US" dirty="0"/>
+                <a:t>27k</a:t>
+              </a:r>
+            </a:p>
+          </p:txBody>
+        </p:sp>
+        <p:cxnSp>
+          <p:nvCxnSpPr>
+            <p:cNvPr id="21" name="Straight Arrow Connector 20">
+              <a:extLst>
+                <a:ext uri="{FF2B5EF4-FFF2-40B4-BE49-F238E27FC236}">
+                  <a16:creationId xmlns:a16="http://schemas.microsoft.com/office/drawing/2014/main" id="{7F204158-C8BA-440E-B573-E59A64921B76}"/>
+                </a:ext>
+              </a:extLst>
+            </p:cNvPr>
+            <p:cNvCxnSpPr>
+              <a:cxnSpLocks/>
+            </p:cNvCxnSpPr>
+            <p:nvPr/>
+          </p:nvCxnSpPr>
+          <p:spPr>
+            <a:xfrm>
+              <a:off x="2691536" y="5619624"/>
+              <a:ext cx="0" cy="272472"/>
+            </a:xfrm>
+            <a:prstGeom prst="straightConnector1">
+              <a:avLst/>
+            </a:prstGeom>
+            <a:ln>
+              <a:headEnd type="triangle"/>
+              <a:tailEnd type="triangle"/>
+            </a:ln>
+          </p:spPr>
+          <p:style>
+            <a:lnRef idx="1">
+              <a:schemeClr val="dk1"/>
+            </a:lnRef>
+            <a:fillRef idx="0">
+              <a:schemeClr val="dk1"/>
+            </a:fillRef>
+            <a:effectRef idx="0">
+              <a:schemeClr val="dk1"/>
+            </a:effectRef>
+            <a:fontRef idx="minor">
+              <a:schemeClr val="tx1"/>
+            </a:fontRef>
+          </p:style>
+        </p:cxnSp>
+      </p:grpSp>
+      <p:pic>
+        <p:nvPicPr>
+          <p:cNvPr id="4" name="Picture 3">
+            <a:extLst>
+              <a:ext uri="{FF2B5EF4-FFF2-40B4-BE49-F238E27FC236}">
+                <a16:creationId xmlns:a16="http://schemas.microsoft.com/office/drawing/2014/main" id="{D07939D6-BC7F-49F2-B050-8DB84841C9A9}"/>
+              </a:ext>
+            </a:extLst>
+          </p:cNvPr>
+          <p:cNvPicPr>
+            <a:picLocks noChangeAspect="1"/>
+          </p:cNvPicPr>
+          <p:nvPr/>
+        </p:nvPicPr>
+        <p:blipFill rotWithShape="1">
+          <a:blip r:embed="rId3">
+            <a:extLst>
+              <a:ext uri="{28A0092B-C50C-407E-A947-70E740481C1C}">
+                <a14:useLocalDpi xmlns:a14="http://schemas.microsoft.com/office/drawing/2010/main" val="0"/>
+              </a:ext>
+            </a:extLst>
+          </a:blip>
+          <a:srcRect l="1031" t="15890" r="295" b="11202"/>
+          <a:stretch/>
+        </p:blipFill>
+        <p:spPr>
+          <a:xfrm>
+            <a:off x="482073" y="1077253"/>
+            <a:ext cx="10643798" cy="5475974"/>
+          </a:xfrm>
+          <a:prstGeom prst="rect">
+            <a:avLst/>
+          </a:prstGeom>
+        </p:spPr>
+      </p:pic>
+      <p:sp>
+        <p:nvSpPr>
+          <p:cNvPr id="26" name="TextBox 25">
+            <a:extLst>
+              <a:ext uri="{FF2B5EF4-FFF2-40B4-BE49-F238E27FC236}">
+                <a16:creationId xmlns:a16="http://schemas.microsoft.com/office/drawing/2014/main" id="{DD04B47C-7C1E-4211-9352-076DDD070D2F}"/>
+              </a:ext>
+            </a:extLst>
+          </p:cNvPr>
+          <p:cNvSpPr txBox="1"/>
+          <p:nvPr/>
+        </p:nvSpPr>
+        <p:spPr>
+          <a:xfrm flipH="1">
+            <a:off x="9179167" y="2107290"/>
+            <a:ext cx="2821793" cy="2893100"/>
+          </a:xfrm>
+          <a:prstGeom prst="rect">
+            <a:avLst/>
+          </a:prstGeom>
+          <a:noFill/>
+        </p:spPr>
+        <p:txBody>
+          <a:bodyPr wrap="square" rtlCol="0">
+            <a:spAutoFit/>
+          </a:bodyPr>
+          <a:lstStyle/>
+          <a:p>
+            <a:r>
+              <a:rPr lang="en-US" sz="2000" b="1" dirty="0"/>
+              <a:t>Current Electoral College</a:t>
+            </a:r>
+          </a:p>
+          <a:p>
+            <a:pPr marL="285750" indent="-285750">
+              <a:buFont typeface="Arial" panose="020B0604020202020204" pitchFamily="34" charset="0"/>
+              <a:buChar char="•"/>
+            </a:pPr>
+            <a:r>
+              <a:rPr lang="en-US" dirty="0"/>
+              <a:t>Electors  decided based on number of senators (2) </a:t>
+            </a:r>
+          </a:p>
+          <a:p>
+            <a:pPr marL="285750" indent="-285750">
+              <a:buFont typeface="Arial" panose="020B0604020202020204" pitchFamily="34" charset="0"/>
+              <a:buChar char="•"/>
+            </a:pPr>
+            <a:r>
+              <a:rPr lang="en-US" dirty="0"/>
+              <a:t>Number of representatives: based on relative population</a:t>
+            </a:r>
+            <a:r>
+              <a:rPr lang="en-US" b="0" i="0" dirty="0">
+                <a:solidFill>
+                  <a:srgbClr val="000000"/>
+                </a:solidFill>
+                <a:effectLst/>
+                <a:latin typeface="Lora"/>
+              </a:rPr>
+              <a:t> (minimum of 1) currently </a:t>
+            </a:r>
+            <a:r>
+              <a:rPr lang="en-US" b="1" i="0" dirty="0">
+                <a:solidFill>
+                  <a:srgbClr val="000000"/>
+                </a:solidFill>
+                <a:effectLst/>
+                <a:latin typeface="Lora"/>
+              </a:rPr>
+              <a:t>capped at 535</a:t>
+            </a:r>
+          </a:p>
+          <a:p>
+            <a:pPr marL="285750" indent="-285750">
+              <a:buFont typeface="Arial" panose="020B0604020202020204" pitchFamily="34" charset="0"/>
+              <a:buChar char="•"/>
+            </a:pPr>
+            <a:r>
+              <a:rPr lang="en-US" dirty="0"/>
+              <a:t>Each state has a minimum of 3 electors</a:t>
+            </a:r>
+          </a:p>
+        </p:txBody>
+      </p:sp>
+    </p:spTree>
+    <p:extLst>
+      <p:ext uri="{BB962C8B-B14F-4D97-AF65-F5344CB8AC3E}">
+        <p14:creationId xmlns:p14="http://schemas.microsoft.com/office/powerpoint/2010/main" val="2235912950"/>
+      </p:ext>
+    </p:extLst>
+  </p:cSld>
+  <p:clrMapOvr>
+    <a:masterClrMapping/>
+  </p:clrMapOvr>
+  <p:timing>
+    <p:tnLst>
+      <p:par>
+        <p:cTn id="1" dur="indefinite" restart="never" nodeType="tmRoot">
+          <p:childTnLst>
+            <p:seq concurrent="1" nextAc="seek">
+              <p:cTn id="2" dur="indefinite" nodeType="mainSeq">
+                <p:childTnLst>
+                  <p:par>
+                    <p:cTn id="3" fill="hold">
+                      <p:stCondLst>
+                        <p:cond delay="indefinite"/>
+                      </p:stCondLst>
+                      <p:childTnLst>
+                        <p:par>
+                          <p:cTn id="4" fill="hold">
+                            <p:stCondLst>
+                              <p:cond delay="0"/>
+                            </p:stCondLst>
+                            <p:childTnLst>
+                              <p:par>
+                                <p:cTn id="5" presetID="1" presetClass="entr" presetSubtype="0" fill="hold" nodeType="clickEffect">
+                                  <p:stCondLst>
+                                    <p:cond delay="0"/>
+                                  </p:stCondLst>
+                                  <p:childTnLst>
+                                    <p:set>
+                                      <p:cBhvr>
+                                        <p:cTn id="6" dur="1" fill="hold">
+                                          <p:stCondLst>
+                                            <p:cond delay="0"/>
+                                          </p:stCondLst>
+                                        </p:cTn>
+                                        <p:tgtEl>
+                                          <p:spTgt spid="24"/>
+                                        </p:tgtEl>
+                                        <p:attrNameLst>
+                                          <p:attrName>style.visibility</p:attrName>
+                                        </p:attrNameLst>
+                                      </p:cBhvr>
+                                      <p:to>
+                                        <p:strVal val="visible"/>
+                                      </p:to>
+                                    </p:set>
+                                  </p:childTnLst>
+                                </p:cTn>
+                              </p:par>
+                            </p:childTnLst>
+                          </p:cTn>
+                        </p:par>
+                      </p:childTnLst>
+                    </p:cTn>
+                  </p:par>
+                  <p:par>
+                    <p:cTn id="7" fill="hold">
+                      <p:stCondLst>
+                        <p:cond delay="indefinite"/>
+                      </p:stCondLst>
+                      <p:childTnLst>
+                        <p:par>
+                          <p:cTn id="8" fill="hold">
+                            <p:stCondLst>
+                              <p:cond delay="0"/>
+                            </p:stCondLst>
+                            <p:childTnLst>
+                              <p:par>
+                                <p:cTn id="9" presetID="1" presetClass="entr" presetSubtype="0" fill="hold" nodeType="clickEffect">
+                                  <p:stCondLst>
+                                    <p:cond delay="0"/>
+                                  </p:stCondLst>
+                                  <p:childTnLst>
+                                    <p:set>
+                                      <p:cBhvr>
+                                        <p:cTn id="10" dur="1" fill="hold">
+                                          <p:stCondLst>
+                                            <p:cond delay="0"/>
+                                          </p:stCondLst>
+                                        </p:cTn>
+                                        <p:tgtEl>
+                                          <p:spTgt spid="25"/>
+                                        </p:tgtEl>
+                                        <p:attrNameLst>
+                                          <p:attrName>style.visibility</p:attrName>
+                                        </p:attrNameLst>
+                                      </p:cBhvr>
+                                      <p:to>
+                                        <p:strVal val="visible"/>
+                                      </p:to>
+                                    </p:set>
+                                  </p:childTnLst>
+                                </p:cTn>
+                              </p:par>
+                            </p:childTnLst>
+                          </p:cTn>
+                        </p:par>
+                      </p:childTnLst>
+                    </p:cTn>
+                  </p:par>
+                  <p:par>
+                    <p:cTn id="11" fill="hold">
+                      <p:stCondLst>
+                        <p:cond delay="indefinite"/>
+                      </p:stCondLst>
+                      <p:childTnLst>
+                        <p:par>
+                          <p:cTn id="12" fill="hold">
+                            <p:stCondLst>
+                              <p:cond delay="0"/>
+                            </p:stCondLst>
+                            <p:childTnLst>
+                              <p:par>
+                                <p:cTn id="13" presetID="1" presetClass="entr" presetSubtype="0" fill="hold" nodeType="clickEffect">
+                                  <p:stCondLst>
+                                    <p:cond delay="0"/>
+                                  </p:stCondLst>
+                                  <p:childTnLst>
+                                    <p:set>
+                                      <p:cBhvr>
+                                        <p:cTn id="14" dur="1" fill="hold">
+                                          <p:stCondLst>
+                                            <p:cond delay="0"/>
+                                          </p:stCondLst>
+                                        </p:cTn>
+                                        <p:tgtEl>
+                                          <p:spTgt spid="4"/>
+                                        </p:tgtEl>
+                                        <p:attrNameLst>
+                                          <p:attrName>style.visibility</p:attrName>
+                                        </p:attrNameLst>
+                                      </p:cBhvr>
+                                      <p:to>
+                                        <p:strVal val="visible"/>
+                                      </p:to>
+                                    </p:set>
+                                  </p:childTnLst>
+                                </p:cTn>
+                              </p:par>
+                            </p:childTnLst>
+                          </p:cTn>
+                        </p:par>
+                      </p:childTnLst>
+                    </p:cTn>
+                  </p:par>
+                </p:childTnLst>
+              </p:cTn>
+              <p:prevCondLst>
+                <p:cond evt="onPrev" delay="0">
+                  <p:tgtEl>
+                    <p:sldTgt/>
+                  </p:tgtEl>
+                </p:cond>
+              </p:prevCondLst>
+              <p:nextCondLst>
+                <p:cond evt="onNext" delay="0">
+                  <p:tgtEl>
+                    <p:sldTgt/>
+                  </p:tgtEl>
+                </p:cond>
+              </p:nextCondLst>
+            </p:seq>
+          </p:childTnLst>
+        </p:cTn>
+      </p:par>
+    </p:tnLst>
+  </p:timing>
+</p:sld>
+</file>
+
 <file path=ppt/slides/slide5.xml><?xml version="1.0" encoding="utf-8"?>
 <p:sld xmlns:a="http://schemas.openxmlformats.org/drawingml/2006/main" xmlns:r="http://schemas.openxmlformats.org/officeDocument/2006/relationships" xmlns:p="http://schemas.openxmlformats.org/presentationml/2006/main">
   <p:cSld>
@@ -22707,6 +22886,13 @@
           <a:bodyPr/>
           <a:lstStyle/>
           <a:p>
+            <a:r>
+              <a:rPr lang="en-US" dirty="0"/>
+              <a:t>Alternative #1:</a:t>
+            </a:r>
+            <a:br>
+              <a:rPr lang="en-US" dirty="0"/>
+            </a:br>
             <a:r>
               <a:rPr lang="en-US" dirty="0"/>
               <a:t>Popular vote with electoral college</a:t>
@@ -23158,7 +23344,306 @@
           <a:p>
             <a:r>
               <a:rPr lang="en-US" dirty="0"/>
-              <a:t>Another solution</a:t>
+              <a:t>Alternative #2: </a:t>
+            </a:r>
+            <a:br>
+              <a:rPr lang="en-US" dirty="0"/>
+            </a:br>
+            <a:r>
+              <a:rPr lang="en-US" dirty="0"/>
+              <a:t>Increase Congressional representation</a:t>
+            </a:r>
+          </a:p>
+        </p:txBody>
+      </p:sp>
+      <p:pic>
+        <p:nvPicPr>
+          <p:cNvPr id="7" name="Picture 6">
+            <a:extLst>
+              <a:ext uri="{FF2B5EF4-FFF2-40B4-BE49-F238E27FC236}">
+                <a16:creationId xmlns:a16="http://schemas.microsoft.com/office/drawing/2014/main" id="{7F66C841-5424-4DBA-95CA-2FF774B1F932}"/>
+              </a:ext>
+            </a:extLst>
+          </p:cNvPr>
+          <p:cNvPicPr>
+            <a:picLocks noChangeAspect="1"/>
+          </p:cNvPicPr>
+          <p:nvPr/>
+        </p:nvPicPr>
+        <p:blipFill rotWithShape="1">
+          <a:blip r:embed="rId2">
+            <a:extLst>
+              <a:ext uri="{28A0092B-C50C-407E-A947-70E740481C1C}">
+                <a14:useLocalDpi xmlns:a14="http://schemas.microsoft.com/office/drawing/2010/main" val="0"/>
+              </a:ext>
+            </a:extLst>
+          </a:blip>
+          <a:srcRect l="-1" t="15929" r="-275" b="11046"/>
+          <a:stretch/>
+        </p:blipFill>
+        <p:spPr>
+          <a:xfrm>
+            <a:off x="459398" y="1386903"/>
+            <a:ext cx="9779423" cy="4958862"/>
+          </a:xfrm>
+          <a:prstGeom prst="rect">
+            <a:avLst/>
+          </a:prstGeom>
+        </p:spPr>
+      </p:pic>
+      <p:sp>
+        <p:nvSpPr>
+          <p:cNvPr id="10" name="TextBox 9">
+            <a:extLst>
+              <a:ext uri="{FF2B5EF4-FFF2-40B4-BE49-F238E27FC236}">
+                <a16:creationId xmlns:a16="http://schemas.microsoft.com/office/drawing/2014/main" id="{ECD7767A-FA97-4797-9746-398499E07DDA}"/>
+              </a:ext>
+            </a:extLst>
+          </p:cNvPr>
+          <p:cNvSpPr txBox="1"/>
+          <p:nvPr/>
+        </p:nvSpPr>
+        <p:spPr>
+          <a:xfrm flipH="1">
+            <a:off x="9014306" y="2854996"/>
+            <a:ext cx="2960273" cy="2616101"/>
+          </a:xfrm>
+          <a:prstGeom prst="rect">
+            <a:avLst/>
+          </a:prstGeom>
+          <a:noFill/>
+        </p:spPr>
+        <p:txBody>
+          <a:bodyPr wrap="square" rtlCol="0">
+            <a:spAutoFit/>
+          </a:bodyPr>
+          <a:lstStyle/>
+          <a:p>
+            <a:r>
+              <a:rPr lang="en-US" sz="2000" b="1" dirty="0"/>
+              <a:t>New Electoral College</a:t>
+            </a:r>
+          </a:p>
+          <a:p>
+            <a:pPr marL="285750" indent="-285750">
+              <a:buFont typeface="Arial" panose="020B0604020202020204" pitchFamily="34" charset="0"/>
+              <a:buChar char="•"/>
+            </a:pPr>
+            <a:r>
+              <a:rPr lang="en-US" dirty="0"/>
+              <a:t>Electors  decided based on number of senators (2) </a:t>
+            </a:r>
+          </a:p>
+          <a:p>
+            <a:pPr marL="285750" indent="-285750">
+              <a:buFont typeface="Arial" panose="020B0604020202020204" pitchFamily="34" charset="0"/>
+              <a:buChar char="•"/>
+            </a:pPr>
+            <a:r>
+              <a:rPr lang="en-US" dirty="0"/>
+              <a:t>Number of representatives: based on relative population</a:t>
+            </a:r>
+            <a:r>
+              <a:rPr lang="en-US" b="0" i="0" dirty="0">
+                <a:solidFill>
+                  <a:srgbClr val="000000"/>
+                </a:solidFill>
+                <a:effectLst/>
+                <a:latin typeface="Lora"/>
+              </a:rPr>
+              <a:t> (minimum of 1) </a:t>
+            </a:r>
+            <a:r>
+              <a:rPr lang="en-US" b="1" i="0" dirty="0">
+                <a:solidFill>
+                  <a:srgbClr val="000000"/>
+                </a:solidFill>
+                <a:effectLst/>
+                <a:latin typeface="Lora"/>
+              </a:rPr>
+              <a:t>capped at 2712</a:t>
+            </a:r>
+          </a:p>
+          <a:p>
+            <a:pPr marL="285750" indent="-285750">
+              <a:buFont typeface="Arial" panose="020B0604020202020204" pitchFamily="34" charset="0"/>
+              <a:buChar char="•"/>
+            </a:pPr>
+            <a:r>
+              <a:rPr lang="en-US" dirty="0"/>
+              <a:t>Each state has a minimum of 14 electors</a:t>
+            </a:r>
+          </a:p>
+        </p:txBody>
+      </p:sp>
+      <p:sp>
+        <p:nvSpPr>
+          <p:cNvPr id="11" name="TextBox 10">
+            <a:extLst>
+              <a:ext uri="{FF2B5EF4-FFF2-40B4-BE49-F238E27FC236}">
+                <a16:creationId xmlns:a16="http://schemas.microsoft.com/office/drawing/2014/main" id="{6D8B4AC3-5D99-428D-AA77-81E6FDD6E9CA}"/>
+              </a:ext>
+            </a:extLst>
+          </p:cNvPr>
+          <p:cNvSpPr txBox="1"/>
+          <p:nvPr/>
+        </p:nvSpPr>
+        <p:spPr>
+          <a:xfrm>
+            <a:off x="2514601" y="6345765"/>
+            <a:ext cx="6056574" cy="523220"/>
+          </a:xfrm>
+          <a:prstGeom prst="rect">
+            <a:avLst/>
+          </a:prstGeom>
+          <a:noFill/>
+        </p:spPr>
+        <p:txBody>
+          <a:bodyPr wrap="square" rtlCol="0">
+            <a:spAutoFit/>
+          </a:bodyPr>
+          <a:lstStyle/>
+          <a:p>
+            <a:pPr algn="ctr"/>
+            <a:r>
+              <a:rPr lang="en-US" sz="2800" dirty="0"/>
+              <a:t>No outcomes changed</a:t>
+            </a:r>
+          </a:p>
+        </p:txBody>
+      </p:sp>
+    </p:spTree>
+    <p:extLst>
+      <p:ext uri="{BB962C8B-B14F-4D97-AF65-F5344CB8AC3E}">
+        <p14:creationId xmlns:p14="http://schemas.microsoft.com/office/powerpoint/2010/main" val="964170309"/>
+      </p:ext>
+    </p:extLst>
+  </p:cSld>
+  <p:clrMapOvr>
+    <a:masterClrMapping/>
+  </p:clrMapOvr>
+  <p:timing>
+    <p:tnLst>
+      <p:par>
+        <p:cTn id="1" dur="indefinite" restart="never" nodeType="tmRoot">
+          <p:childTnLst>
+            <p:seq concurrent="1" nextAc="seek">
+              <p:cTn id="2" dur="indefinite" nodeType="mainSeq">
+                <p:childTnLst>
+                  <p:par>
+                    <p:cTn id="3" fill="hold">
+                      <p:stCondLst>
+                        <p:cond delay="indefinite"/>
+                      </p:stCondLst>
+                      <p:childTnLst>
+                        <p:par>
+                          <p:cTn id="4" fill="hold">
+                            <p:stCondLst>
+                              <p:cond delay="0"/>
+                            </p:stCondLst>
+                            <p:childTnLst>
+                              <p:par>
+                                <p:cTn id="5" presetID="1" presetClass="entr" presetSubtype="0" fill="hold" grpId="0" nodeType="clickEffect">
+                                  <p:stCondLst>
+                                    <p:cond delay="0"/>
+                                  </p:stCondLst>
+                                  <p:childTnLst>
+                                    <p:set>
+                                      <p:cBhvr>
+                                        <p:cTn id="6" dur="1" fill="hold">
+                                          <p:stCondLst>
+                                            <p:cond delay="0"/>
+                                          </p:stCondLst>
+                                        </p:cTn>
+                                        <p:tgtEl>
+                                          <p:spTgt spid="11"/>
+                                        </p:tgtEl>
+                                        <p:attrNameLst>
+                                          <p:attrName>style.visibility</p:attrName>
+                                        </p:attrNameLst>
+                                      </p:cBhvr>
+                                      <p:to>
+                                        <p:strVal val="visible"/>
+                                      </p:to>
+                                    </p:set>
+                                  </p:childTnLst>
+                                </p:cTn>
+                              </p:par>
+                            </p:childTnLst>
+                          </p:cTn>
+                        </p:par>
+                      </p:childTnLst>
+                    </p:cTn>
+                  </p:par>
+                </p:childTnLst>
+              </p:cTn>
+              <p:prevCondLst>
+                <p:cond evt="onPrev" delay="0">
+                  <p:tgtEl>
+                    <p:sldTgt/>
+                  </p:tgtEl>
+                </p:cond>
+              </p:prevCondLst>
+              <p:nextCondLst>
+                <p:cond evt="onNext" delay="0">
+                  <p:tgtEl>
+                    <p:sldTgt/>
+                  </p:tgtEl>
+                </p:cond>
+              </p:nextCondLst>
+            </p:seq>
+          </p:childTnLst>
+        </p:cTn>
+      </p:par>
+    </p:tnLst>
+    <p:bldLst>
+      <p:bldP spid="11" grpId="0"/>
+    </p:bldLst>
+  </p:timing>
+</p:sld>
+</file>
+
+<file path=ppt/slides/slide7.xml><?xml version="1.0" encoding="utf-8"?>
+<p:sld xmlns:a="http://schemas.openxmlformats.org/drawingml/2006/main" xmlns:r="http://schemas.openxmlformats.org/officeDocument/2006/relationships" xmlns:p="http://schemas.openxmlformats.org/presentationml/2006/main">
+  <p:cSld>
+    <p:spTree>
+      <p:nvGrpSpPr>
+        <p:cNvPr id="1" name=""/>
+        <p:cNvGrpSpPr/>
+        <p:nvPr/>
+      </p:nvGrpSpPr>
+      <p:grpSpPr>
+        <a:xfrm>
+          <a:off x="0" y="0"/>
+          <a:ext cx="0" cy="0"/>
+          <a:chOff x="0" y="0"/>
+          <a:chExt cx="0" cy="0"/>
+        </a:xfrm>
+      </p:grpSpPr>
+      <p:sp>
+        <p:nvSpPr>
+          <p:cNvPr id="2" name="Title 1">
+            <a:extLst>
+              <a:ext uri="{FF2B5EF4-FFF2-40B4-BE49-F238E27FC236}">
+                <a16:creationId xmlns:a16="http://schemas.microsoft.com/office/drawing/2014/main" id="{97214664-AB29-4878-8AE8-198AA72B84A5}"/>
+              </a:ext>
+            </a:extLst>
+          </p:cNvPr>
+          <p:cNvSpPr>
+            <a:spLocks noGrp="1"/>
+          </p:cNvSpPr>
+          <p:nvPr>
+            <p:ph type="title"/>
+          </p:nvPr>
+        </p:nvSpPr>
+        <p:spPr/>
+        <p:txBody>
+          <a:bodyPr/>
+          <a:lstStyle/>
+          <a:p>
+            <a:r>
+              <a:rPr lang="en-US" dirty="0"/>
+              <a:t>Conclusions</a:t>
             </a:r>
           </a:p>
         </p:txBody>
@@ -23168,7 +23653,7 @@
           <p:cNvPr id="3" name="Content Placeholder 2">
             <a:extLst>
               <a:ext uri="{FF2B5EF4-FFF2-40B4-BE49-F238E27FC236}">
-                <a16:creationId xmlns:a16="http://schemas.microsoft.com/office/drawing/2014/main" id="{2ED1ED10-EF74-4613-ACAE-48AF832D99CD}"/>
+                <a16:creationId xmlns:a16="http://schemas.microsoft.com/office/drawing/2014/main" id="{4CE75EA6-341C-4CE1-A7D9-B8528FD0B4E0}"/>
               </a:ext>
             </a:extLst>
           </p:cNvPr>
@@ -23179,19 +23664,71 @@
             <p:ph idx="1"/>
           </p:nvPr>
         </p:nvSpPr>
-        <p:spPr/>
+        <p:spPr>
+          <a:xfrm>
+            <a:off x="1024128" y="1559169"/>
+            <a:ext cx="9720073" cy="4750191"/>
+          </a:xfrm>
+        </p:spPr>
         <p:txBody>
           <a:bodyPr/>
           <a:lstStyle/>
           <a:p>
-            <a:endParaRPr lang="en-US"/>
+            <a:pPr marL="457200" indent="-228600">
+              <a:buFont typeface="Wingdings" panose="05000000000000000000" pitchFamily="2" charset="2"/>
+              <a:buChar char="§"/>
+            </a:pPr>
+            <a:r>
+              <a:rPr lang="en-US" sz="2800" dirty="0"/>
+              <a:t>There would have to be </a:t>
+            </a:r>
+            <a:r>
+              <a:rPr lang="en-US" sz="2800" b="1" dirty="0"/>
+              <a:t>significant changes </a:t>
+            </a:r>
+            <a:r>
+              <a:rPr lang="en-US" sz="2800" dirty="0"/>
+              <a:t>to the </a:t>
+            </a:r>
+            <a:r>
+              <a:rPr lang="en-US" sz="2800" b="1" dirty="0"/>
+              <a:t>allocation</a:t>
+            </a:r>
+            <a:r>
+              <a:rPr lang="en-US" sz="2800" dirty="0"/>
+              <a:t> to impact the outcome and maintain the </a:t>
+            </a:r>
+            <a:r>
+              <a:rPr lang="en-US" sz="2800" b="1" dirty="0"/>
+              <a:t>electoral college</a:t>
+            </a:r>
+          </a:p>
+          <a:p>
+            <a:pPr marL="457200" indent="-228600">
+              <a:buFont typeface="Wingdings" panose="05000000000000000000" pitchFamily="2" charset="2"/>
+              <a:buChar char="§"/>
+            </a:pPr>
+            <a:r>
+              <a:rPr lang="en-US" sz="3200" dirty="0"/>
+              <a:t>Alternatively, change to a straight popular vote. </a:t>
+            </a:r>
+            <a:r>
+              <a:rPr lang="en-US" sz="3200" dirty="0">
+                <a:sym typeface="Wingdings" panose="05000000000000000000" pitchFamily="2" charset="2"/>
+              </a:rPr>
+              <a:t></a:t>
+            </a:r>
+            <a:endParaRPr lang="en-US" sz="2800" dirty="0"/>
+          </a:p>
+          <a:p>
+            <a:endParaRPr lang="en-US" dirty="0"/>
           </a:p>
         </p:txBody>
       </p:sp>
     </p:spTree>
     <p:extLst>
       <p:ext uri="{BB962C8B-B14F-4D97-AF65-F5344CB8AC3E}">
-        <p14:creationId xmlns:p14="http://schemas.microsoft.com/office/powerpoint/2010/main" val="964170309"/>
+        <p14:creationId xmlns:p14="http://schemas.microsoft.com/office/powerpoint/2010/main" val="692526255"/>
       </p:ext>
     </p:extLst>
   </p:cSld>

--- a/project-dataviz.pptx
+++ b/project-dataviz.pptx
@@ -8923,7 +8923,7 @@
           <a:p>
             <a:fld id="{F4BE2406-BABC-497A-BB86-D742CC646693}" type="datetimeFigureOut">
               <a:rPr lang="en-US" smtClean="0"/>
-              <a:t>12/18/2020</a:t>
+              <a:t>12/19/2020</a:t>
             </a:fld>
             <a:endParaRPr lang="en-US"/>
           </a:p>
@@ -9130,7 +9130,7 @@
           <a:p>
             <a:fld id="{F4BE2406-BABC-497A-BB86-D742CC646693}" type="datetimeFigureOut">
               <a:rPr lang="en-US" smtClean="0"/>
-              <a:t>12/18/2020</a:t>
+              <a:t>12/19/2020</a:t>
             </a:fld>
             <a:endParaRPr lang="en-US"/>
           </a:p>
@@ -9310,7 +9310,7 @@
           <a:p>
             <a:fld id="{F4BE2406-BABC-497A-BB86-D742CC646693}" type="datetimeFigureOut">
               <a:rPr lang="en-US" smtClean="0"/>
-              <a:t>12/18/2020</a:t>
+              <a:t>12/19/2020</a:t>
             </a:fld>
             <a:endParaRPr lang="en-US"/>
           </a:p>
@@ -9519,7 +9519,7 @@
           <a:p>
             <a:fld id="{F4BE2406-BABC-497A-BB86-D742CC646693}" type="datetimeFigureOut">
               <a:rPr lang="en-US" smtClean="0"/>
-              <a:t>12/18/2020</a:t>
+              <a:t>12/19/2020</a:t>
             </a:fld>
             <a:endParaRPr lang="en-US"/>
           </a:p>
@@ -18417,7 +18417,7 @@
           <a:p>
             <a:fld id="{F4BE2406-BABC-497A-BB86-D742CC646693}" type="datetimeFigureOut">
               <a:rPr lang="en-US" smtClean="0"/>
-              <a:t>12/18/2020</a:t>
+              <a:t>12/19/2020</a:t>
             </a:fld>
             <a:endParaRPr lang="en-US"/>
           </a:p>
@@ -18691,7 +18691,7 @@
           <a:p>
             <a:fld id="{F4BE2406-BABC-497A-BB86-D742CC646693}" type="datetimeFigureOut">
               <a:rPr lang="en-US" smtClean="0"/>
-              <a:t>12/18/2020</a:t>
+              <a:t>12/19/2020</a:t>
             </a:fld>
             <a:endParaRPr lang="en-US"/>
           </a:p>
@@ -19089,7 +19089,7 @@
           <a:p>
             <a:fld id="{F4BE2406-BABC-497A-BB86-D742CC646693}" type="datetimeFigureOut">
               <a:rPr lang="en-US" smtClean="0"/>
-              <a:t>12/18/2020</a:t>
+              <a:t>12/19/2020</a:t>
             </a:fld>
             <a:endParaRPr lang="en-US"/>
           </a:p>
@@ -19207,7 +19207,7 @@
           <a:p>
             <a:fld id="{F4BE2406-BABC-497A-BB86-D742CC646693}" type="datetimeFigureOut">
               <a:rPr lang="en-US" smtClean="0"/>
-              <a:t>12/18/2020</a:t>
+              <a:t>12/19/2020</a:t>
             </a:fld>
             <a:endParaRPr lang="en-US"/>
           </a:p>
@@ -19302,7 +19302,7 @@
           <a:p>
             <a:fld id="{F4BE2406-BABC-497A-BB86-D742CC646693}" type="datetimeFigureOut">
               <a:rPr lang="en-US" smtClean="0"/>
-              <a:t>12/18/2020</a:t>
+              <a:t>12/19/2020</a:t>
             </a:fld>
             <a:endParaRPr lang="en-US"/>
           </a:p>
@@ -19592,7 +19592,7 @@
           <a:p>
             <a:fld id="{F4BE2406-BABC-497A-BB86-D742CC646693}" type="datetimeFigureOut">
               <a:rPr lang="en-US" smtClean="0"/>
-              <a:t>12/18/2020</a:t>
+              <a:t>12/19/2020</a:t>
             </a:fld>
             <a:endParaRPr lang="en-US"/>
           </a:p>
@@ -19872,7 +19872,7 @@
           <a:p>
             <a:fld id="{F4BE2406-BABC-497A-BB86-D742CC646693}" type="datetimeFigureOut">
               <a:rPr lang="en-US" smtClean="0"/>
-              <a:t>12/18/2020</a:t>
+              <a:t>12/19/2020</a:t>
             </a:fld>
             <a:endParaRPr lang="en-US"/>
           </a:p>
@@ -20122,7 +20122,7 @@
           <a:p>
             <a:fld id="{F4BE2406-BABC-497A-BB86-D742CC646693}" type="datetimeFigureOut">
               <a:rPr lang="en-US" smtClean="0"/>
-              <a:t>12/18/2020</a:t>
+              <a:t>12/19/2020</a:t>
             </a:fld>
             <a:endParaRPr lang="en-US"/>
           </a:p>
@@ -20647,7 +20647,7 @@
           <a:p>
             <a:r>
               <a:rPr lang="en-US" dirty="0"/>
-              <a:t>Popular Vote vs Electoral College</a:t>
+              <a:t>Presidential elections in USA</a:t>
             </a:r>
           </a:p>
         </p:txBody>
@@ -20673,7 +20673,22 @@
           <a:bodyPr/>
           <a:lstStyle/>
           <a:p>
-            <a:endParaRPr lang="en-US"/>
+            <a:r>
+              <a:rPr lang="en-US" dirty="0"/>
+              <a:t>Kamalah Chang</a:t>
+            </a:r>
+          </a:p>
+          <a:p>
+            <a:r>
+              <a:rPr lang="en-US" dirty="0"/>
+              <a:t>DAPTMX</a:t>
+            </a:r>
+          </a:p>
+          <a:p>
+            <a:r>
+              <a:rPr lang="en-US" dirty="0"/>
+              <a:t>December 2020</a:t>
+            </a:r>
           </a:p>
         </p:txBody>
       </p:sp>
@@ -20900,7 +20915,7 @@
                 <a:effectLst/>
                 <a:latin typeface="Arial" panose="020B0604020202020204" pitchFamily="34" charset="0"/>
               </a:rPr>
-              <a:t>Election expert, William C. Kimberling,</a:t>
+              <a:t>Election expert, William C. Kimberling</a:t>
             </a:r>
             <a:endParaRPr lang="en-US" dirty="0"/>
           </a:p>
@@ -22015,6 +22030,42 @@
           </a:graphicData>
         </a:graphic>
       </p:graphicFrame>
+      <p:sp>
+        <p:nvSpPr>
+          <p:cNvPr id="3" name="TextBox 2">
+            <a:extLst>
+              <a:ext uri="{FF2B5EF4-FFF2-40B4-BE49-F238E27FC236}">
+                <a16:creationId xmlns:a16="http://schemas.microsoft.com/office/drawing/2014/main" id="{CFE96177-36DC-4861-9093-5C0C87238810}"/>
+              </a:ext>
+            </a:extLst>
+          </p:cNvPr>
+          <p:cNvSpPr txBox="1"/>
+          <p:nvPr/>
+        </p:nvSpPr>
+        <p:spPr>
+          <a:xfrm>
+            <a:off x="4437185" y="5943600"/>
+            <a:ext cx="3194538" cy="523220"/>
+          </a:xfrm>
+          <a:prstGeom prst="rect">
+            <a:avLst/>
+          </a:prstGeom>
+          <a:noFill/>
+        </p:spPr>
+        <p:txBody>
+          <a:bodyPr wrap="square" rtlCol="0">
+            <a:spAutoFit/>
+          </a:bodyPr>
+          <a:lstStyle/>
+          <a:p>
+            <a:pPr algn="ctr"/>
+            <a:r>
+              <a:rPr lang="en-US" sz="2800" b="1" dirty="0"/>
+              <a:t>4 OUT OF 58</a:t>
+            </a:r>
+          </a:p>
+        </p:txBody>
+      </p:sp>
     </p:spTree>
     <p:extLst>
       <p:ext uri="{BB962C8B-B14F-4D97-AF65-F5344CB8AC3E}">
@@ -23704,6 +23755,16 @@
             </a:r>
           </a:p>
           <a:p>
+            <a:pPr marL="914400" lvl="1" indent="0">
+              <a:buFont typeface="Wingdings" panose="05000000000000000000" pitchFamily="2" charset="2"/>
+              <a:buChar char="§"/>
+            </a:pPr>
+            <a:r>
+              <a:rPr lang="en-US" sz="2400" dirty="0"/>
+              <a:t>Unchanged since 1940</a:t>
+            </a:r>
+          </a:p>
+          <a:p>
             <a:pPr marL="457200" indent="-228600">
               <a:buFont typeface="Wingdings" panose="05000000000000000000" pitchFamily="2" charset="2"/>
               <a:buChar char="§"/>
